--- a/img/ppt files/2. Counting.pptx
+++ b/img/ppt files/2. Counting.pptx
@@ -6,6 +6,9 @@
   </p:sldMasterIdLst>
   <p:sldIdLst>
     <p:sldId id="257" r:id="rId2"/>
+    <p:sldId id="259" r:id="rId3"/>
+    <p:sldId id="258" r:id="rId4"/>
+    <p:sldId id="260" r:id="rId5"/>
   </p:sldIdLst>
   <p:sldSz cx="12192000" cy="6858000"/>
   <p:notesSz cx="6858000" cy="9144000"/>
@@ -267,7 +270,7 @@
           <a:p>
             <a:fld id="{0499CDBD-1038-4717-9F93-8ECC4F23B95B}" type="datetimeFigureOut">
               <a:rPr lang="en-US" smtClean="0"/>
-              <a:t>6/16/2022</a:t>
+              <a:t>6/21/2022</a:t>
             </a:fld>
             <a:endParaRPr lang="en-US"/>
           </a:p>
@@ -465,7 +468,7 @@
           <a:p>
             <a:fld id="{0499CDBD-1038-4717-9F93-8ECC4F23B95B}" type="datetimeFigureOut">
               <a:rPr lang="en-US" smtClean="0"/>
-              <a:t>6/16/2022</a:t>
+              <a:t>6/21/2022</a:t>
             </a:fld>
             <a:endParaRPr lang="en-US"/>
           </a:p>
@@ -673,7 +676,7 @@
           <a:p>
             <a:fld id="{0499CDBD-1038-4717-9F93-8ECC4F23B95B}" type="datetimeFigureOut">
               <a:rPr lang="en-US" smtClean="0"/>
-              <a:t>6/16/2022</a:t>
+              <a:t>6/21/2022</a:t>
             </a:fld>
             <a:endParaRPr lang="en-US"/>
           </a:p>
@@ -871,7 +874,7 @@
           <a:p>
             <a:fld id="{0499CDBD-1038-4717-9F93-8ECC4F23B95B}" type="datetimeFigureOut">
               <a:rPr lang="en-US" smtClean="0"/>
-              <a:t>6/16/2022</a:t>
+              <a:t>6/21/2022</a:t>
             </a:fld>
             <a:endParaRPr lang="en-US"/>
           </a:p>
@@ -1146,7 +1149,7 @@
           <a:p>
             <a:fld id="{0499CDBD-1038-4717-9F93-8ECC4F23B95B}" type="datetimeFigureOut">
               <a:rPr lang="en-US" smtClean="0"/>
-              <a:t>6/16/2022</a:t>
+              <a:t>6/21/2022</a:t>
             </a:fld>
             <a:endParaRPr lang="en-US"/>
           </a:p>
@@ -1411,7 +1414,7 @@
           <a:p>
             <a:fld id="{0499CDBD-1038-4717-9F93-8ECC4F23B95B}" type="datetimeFigureOut">
               <a:rPr lang="en-US" smtClean="0"/>
-              <a:t>6/16/2022</a:t>
+              <a:t>6/21/2022</a:t>
             </a:fld>
             <a:endParaRPr lang="en-US"/>
           </a:p>
@@ -1823,7 +1826,7 @@
           <a:p>
             <a:fld id="{0499CDBD-1038-4717-9F93-8ECC4F23B95B}" type="datetimeFigureOut">
               <a:rPr lang="en-US" smtClean="0"/>
-              <a:t>6/16/2022</a:t>
+              <a:t>6/21/2022</a:t>
             </a:fld>
             <a:endParaRPr lang="en-US"/>
           </a:p>
@@ -1964,7 +1967,7 @@
           <a:p>
             <a:fld id="{0499CDBD-1038-4717-9F93-8ECC4F23B95B}" type="datetimeFigureOut">
               <a:rPr lang="en-US" smtClean="0"/>
-              <a:t>6/16/2022</a:t>
+              <a:t>6/21/2022</a:t>
             </a:fld>
             <a:endParaRPr lang="en-US"/>
           </a:p>
@@ -2077,7 +2080,7 @@
           <a:p>
             <a:fld id="{0499CDBD-1038-4717-9F93-8ECC4F23B95B}" type="datetimeFigureOut">
               <a:rPr lang="en-US" smtClean="0"/>
-              <a:t>6/16/2022</a:t>
+              <a:t>6/21/2022</a:t>
             </a:fld>
             <a:endParaRPr lang="en-US"/>
           </a:p>
@@ -2388,7 +2391,7 @@
           <a:p>
             <a:fld id="{0499CDBD-1038-4717-9F93-8ECC4F23B95B}" type="datetimeFigureOut">
               <a:rPr lang="en-US" smtClean="0"/>
-              <a:t>6/16/2022</a:t>
+              <a:t>6/21/2022</a:t>
             </a:fld>
             <a:endParaRPr lang="en-US"/>
           </a:p>
@@ -2676,7 +2679,7 @@
           <a:p>
             <a:fld id="{0499CDBD-1038-4717-9F93-8ECC4F23B95B}" type="datetimeFigureOut">
               <a:rPr lang="en-US" smtClean="0"/>
-              <a:t>6/16/2022</a:t>
+              <a:t>6/21/2022</a:t>
             </a:fld>
             <a:endParaRPr lang="en-US"/>
           </a:p>
@@ -2917,7 +2920,7 @@
           <a:p>
             <a:fld id="{0499CDBD-1038-4717-9F93-8ECC4F23B95B}" type="datetimeFigureOut">
               <a:rPr lang="en-US" smtClean="0"/>
-              <a:t>6/16/2022</a:t>
+              <a:t>6/21/2022</a:t>
             </a:fld>
             <a:endParaRPr lang="en-US"/>
           </a:p>
@@ -5770,6 +5773,3864 @@
 </p:sld>
 </file>
 
+<file path=ppt/slides/slide2.xml><?xml version="1.0" encoding="utf-8"?>
+<p:sld xmlns:a="http://schemas.openxmlformats.org/drawingml/2006/main" xmlns:r="http://schemas.openxmlformats.org/officeDocument/2006/relationships" xmlns:p="http://schemas.openxmlformats.org/presentationml/2006/main">
+  <p:cSld>
+    <p:spTree>
+      <p:nvGrpSpPr>
+        <p:cNvPr id="1" name=""/>
+        <p:cNvGrpSpPr/>
+        <p:nvPr/>
+      </p:nvGrpSpPr>
+      <p:grpSpPr>
+        <a:xfrm>
+          <a:off x="0" y="0"/>
+          <a:ext cx="0" cy="0"/>
+          <a:chOff x="0" y="0"/>
+          <a:chExt cx="0" cy="0"/>
+        </a:xfrm>
+      </p:grpSpPr>
+      <p:sp>
+        <p:nvSpPr>
+          <p:cNvPr id="4" name="Oval 3">
+            <a:extLst>
+              <a:ext uri="{FF2B5EF4-FFF2-40B4-BE49-F238E27FC236}">
+                <a16:creationId xmlns:a16="http://schemas.microsoft.com/office/drawing/2014/main" id="{689BF6AB-EA29-9776-406B-406853A0C196}"/>
+              </a:ext>
+            </a:extLst>
+          </p:cNvPr>
+          <p:cNvSpPr/>
+          <p:nvPr/>
+        </p:nvSpPr>
+        <p:spPr>
+          <a:xfrm>
+            <a:off x="3209280" y="1686108"/>
+            <a:ext cx="1481666" cy="2696321"/>
+          </a:xfrm>
+          <a:prstGeom prst="ellipse">
+            <a:avLst/>
+          </a:prstGeom>
+          <a:noFill/>
+          <a:ln w="12700">
+            <a:solidFill>
+              <a:schemeClr val="tx1"/>
+            </a:solidFill>
+            <a:prstDash val="dash"/>
+          </a:ln>
+        </p:spPr>
+        <p:style>
+          <a:lnRef idx="2">
+            <a:schemeClr val="accent1">
+              <a:shade val="50000"/>
+            </a:schemeClr>
+          </a:lnRef>
+          <a:fillRef idx="1">
+            <a:schemeClr val="accent1"/>
+          </a:fillRef>
+          <a:effectRef idx="0">
+            <a:schemeClr val="accent1"/>
+          </a:effectRef>
+          <a:fontRef idx="minor">
+            <a:schemeClr val="lt1"/>
+          </a:fontRef>
+        </p:style>
+        <p:txBody>
+          <a:bodyPr rtlCol="0" anchor="ctr"/>
+          <a:lstStyle/>
+          <a:p>
+            <a:pPr algn="ctr"/>
+            <a:endParaRPr lang="en-CA"/>
+          </a:p>
+        </p:txBody>
+      </p:sp>
+      <p:sp>
+        <p:nvSpPr>
+          <p:cNvPr id="5" name="Oval 4">
+            <a:extLst>
+              <a:ext uri="{FF2B5EF4-FFF2-40B4-BE49-F238E27FC236}">
+                <a16:creationId xmlns:a16="http://schemas.microsoft.com/office/drawing/2014/main" id="{BD37A7D2-9FB0-E6CB-56E3-C4A2A574B164}"/>
+              </a:ext>
+            </a:extLst>
+          </p:cNvPr>
+          <p:cNvSpPr/>
+          <p:nvPr/>
+        </p:nvSpPr>
+        <p:spPr>
+          <a:xfrm>
+            <a:off x="5513863" y="2107580"/>
+            <a:ext cx="1481666" cy="1929266"/>
+          </a:xfrm>
+          <a:prstGeom prst="ellipse">
+            <a:avLst/>
+          </a:prstGeom>
+          <a:noFill/>
+          <a:ln w="12700">
+            <a:solidFill>
+              <a:schemeClr val="tx1"/>
+            </a:solidFill>
+            <a:prstDash val="dash"/>
+          </a:ln>
+        </p:spPr>
+        <p:style>
+          <a:lnRef idx="2">
+            <a:schemeClr val="accent1">
+              <a:shade val="50000"/>
+            </a:schemeClr>
+          </a:lnRef>
+          <a:fillRef idx="1">
+            <a:schemeClr val="accent1"/>
+          </a:fillRef>
+          <a:effectRef idx="0">
+            <a:schemeClr val="accent1"/>
+          </a:effectRef>
+          <a:fontRef idx="minor">
+            <a:schemeClr val="lt1"/>
+          </a:fontRef>
+        </p:style>
+        <p:txBody>
+          <a:bodyPr rtlCol="0" anchor="ctr"/>
+          <a:lstStyle/>
+          <a:p>
+            <a:pPr algn="ctr"/>
+            <a:endParaRPr lang="en-CA"/>
+          </a:p>
+        </p:txBody>
+      </p:sp>
+      <p:sp>
+        <p:nvSpPr>
+          <p:cNvPr id="6" name="Oval 5">
+            <a:extLst>
+              <a:ext uri="{FF2B5EF4-FFF2-40B4-BE49-F238E27FC236}">
+                <a16:creationId xmlns:a16="http://schemas.microsoft.com/office/drawing/2014/main" id="{DBBB0866-8762-30C4-0B1E-0579616A11A6}"/>
+              </a:ext>
+            </a:extLst>
+          </p:cNvPr>
+          <p:cNvSpPr/>
+          <p:nvPr/>
+        </p:nvSpPr>
+        <p:spPr>
+          <a:xfrm>
+            <a:off x="3733455" y="2127018"/>
+            <a:ext cx="379142" cy="379142"/>
+          </a:xfrm>
+          <a:prstGeom prst="ellipse">
+            <a:avLst/>
+          </a:prstGeom>
+          <a:noFill/>
+          <a:ln w="25400">
+            <a:solidFill>
+              <a:schemeClr val="tx1"/>
+            </a:solidFill>
+          </a:ln>
+        </p:spPr>
+        <p:style>
+          <a:lnRef idx="2">
+            <a:schemeClr val="accent1">
+              <a:shade val="50000"/>
+            </a:schemeClr>
+          </a:lnRef>
+          <a:fillRef idx="1">
+            <a:schemeClr val="accent1"/>
+          </a:fillRef>
+          <a:effectRef idx="0">
+            <a:schemeClr val="accent1"/>
+          </a:effectRef>
+          <a:fontRef idx="minor">
+            <a:schemeClr val="lt1"/>
+          </a:fontRef>
+        </p:style>
+        <p:txBody>
+          <a:bodyPr rtlCol="0" anchor="ctr"/>
+          <a:lstStyle/>
+          <a:p>
+            <a:pPr algn="ctr"/>
+            <a:r>
+              <a:rPr lang="en-US" dirty="0">
+                <a:solidFill>
+                  <a:schemeClr val="tx1"/>
+                </a:solidFill>
+              </a:rPr>
+              <a:t>1</a:t>
+            </a:r>
+            <a:endParaRPr lang="en-CA" dirty="0">
+              <a:solidFill>
+                <a:schemeClr val="tx1"/>
+              </a:solidFill>
+            </a:endParaRPr>
+          </a:p>
+        </p:txBody>
+      </p:sp>
+      <p:sp>
+        <p:nvSpPr>
+          <p:cNvPr id="7" name="Oval 6">
+            <a:extLst>
+              <a:ext uri="{FF2B5EF4-FFF2-40B4-BE49-F238E27FC236}">
+                <a16:creationId xmlns:a16="http://schemas.microsoft.com/office/drawing/2014/main" id="{7AD1B897-60B2-B120-5244-D9BB60994DD6}"/>
+              </a:ext>
+            </a:extLst>
+          </p:cNvPr>
+          <p:cNvSpPr/>
+          <p:nvPr/>
+        </p:nvSpPr>
+        <p:spPr>
+          <a:xfrm>
+            <a:off x="3543884" y="2841340"/>
+            <a:ext cx="379142" cy="379142"/>
+          </a:xfrm>
+          <a:prstGeom prst="ellipse">
+            <a:avLst/>
+          </a:prstGeom>
+          <a:noFill/>
+          <a:ln w="25400">
+            <a:solidFill>
+              <a:schemeClr val="tx1"/>
+            </a:solidFill>
+          </a:ln>
+        </p:spPr>
+        <p:style>
+          <a:lnRef idx="2">
+            <a:schemeClr val="accent1">
+              <a:shade val="50000"/>
+            </a:schemeClr>
+          </a:lnRef>
+          <a:fillRef idx="1">
+            <a:schemeClr val="accent1"/>
+          </a:fillRef>
+          <a:effectRef idx="0">
+            <a:schemeClr val="accent1"/>
+          </a:effectRef>
+          <a:fontRef idx="minor">
+            <a:schemeClr val="lt1"/>
+          </a:fontRef>
+        </p:style>
+        <p:txBody>
+          <a:bodyPr rtlCol="0" anchor="ctr"/>
+          <a:lstStyle/>
+          <a:p>
+            <a:pPr algn="ctr"/>
+            <a:r>
+              <a:rPr lang="en-US" dirty="0">
+                <a:solidFill>
+                  <a:schemeClr val="tx1"/>
+                </a:solidFill>
+              </a:rPr>
+              <a:t>3</a:t>
+            </a:r>
+            <a:endParaRPr lang="en-CA" dirty="0">
+              <a:solidFill>
+                <a:schemeClr val="tx1"/>
+              </a:solidFill>
+            </a:endParaRPr>
+          </a:p>
+        </p:txBody>
+      </p:sp>
+      <p:sp>
+        <p:nvSpPr>
+          <p:cNvPr id="8" name="Oval 7">
+            <a:extLst>
+              <a:ext uri="{FF2B5EF4-FFF2-40B4-BE49-F238E27FC236}">
+                <a16:creationId xmlns:a16="http://schemas.microsoft.com/office/drawing/2014/main" id="{7052B0AD-71E0-EE38-600C-CC2B8A5F3FCE}"/>
+              </a:ext>
+            </a:extLst>
+          </p:cNvPr>
+          <p:cNvSpPr/>
+          <p:nvPr/>
+        </p:nvSpPr>
+        <p:spPr>
+          <a:xfrm>
+            <a:off x="6065125" y="3195959"/>
+            <a:ext cx="379142" cy="379142"/>
+          </a:xfrm>
+          <a:prstGeom prst="ellipse">
+            <a:avLst/>
+          </a:prstGeom>
+          <a:noFill/>
+          <a:ln w="25400">
+            <a:solidFill>
+              <a:schemeClr val="tx1"/>
+            </a:solidFill>
+          </a:ln>
+        </p:spPr>
+        <p:style>
+          <a:lnRef idx="2">
+            <a:schemeClr val="accent1">
+              <a:shade val="50000"/>
+            </a:schemeClr>
+          </a:lnRef>
+          <a:fillRef idx="1">
+            <a:schemeClr val="accent1"/>
+          </a:fillRef>
+          <a:effectRef idx="0">
+            <a:schemeClr val="accent1"/>
+          </a:effectRef>
+          <a:fontRef idx="minor">
+            <a:schemeClr val="lt1"/>
+          </a:fontRef>
+        </p:style>
+        <p:txBody>
+          <a:bodyPr rtlCol="0" anchor="ctr"/>
+          <a:lstStyle/>
+          <a:p>
+            <a:pPr algn="ctr"/>
+            <a:r>
+              <a:rPr lang="en-US" dirty="0">
+                <a:solidFill>
+                  <a:schemeClr val="tx1"/>
+                </a:solidFill>
+              </a:rPr>
+              <a:t>4</a:t>
+            </a:r>
+            <a:endParaRPr lang="en-CA" dirty="0">
+              <a:solidFill>
+                <a:schemeClr val="tx1"/>
+              </a:solidFill>
+            </a:endParaRPr>
+          </a:p>
+        </p:txBody>
+      </p:sp>
+      <p:sp>
+        <p:nvSpPr>
+          <p:cNvPr id="9" name="Oval 8">
+            <a:extLst>
+              <a:ext uri="{FF2B5EF4-FFF2-40B4-BE49-F238E27FC236}">
+                <a16:creationId xmlns:a16="http://schemas.microsoft.com/office/drawing/2014/main" id="{5FBF41E4-E7BC-D587-2B33-1E5F0E5DB911}"/>
+              </a:ext>
+            </a:extLst>
+          </p:cNvPr>
+          <p:cNvSpPr/>
+          <p:nvPr/>
+        </p:nvSpPr>
+        <p:spPr>
+          <a:xfrm>
+            <a:off x="6065125" y="2375210"/>
+            <a:ext cx="379142" cy="379142"/>
+          </a:xfrm>
+          <a:prstGeom prst="ellipse">
+            <a:avLst/>
+          </a:prstGeom>
+          <a:noFill/>
+          <a:ln w="25400">
+            <a:solidFill>
+              <a:schemeClr val="tx1"/>
+            </a:solidFill>
+          </a:ln>
+        </p:spPr>
+        <p:style>
+          <a:lnRef idx="2">
+            <a:schemeClr val="accent1">
+              <a:shade val="50000"/>
+            </a:schemeClr>
+          </a:lnRef>
+          <a:fillRef idx="1">
+            <a:schemeClr val="accent1"/>
+          </a:fillRef>
+          <a:effectRef idx="0">
+            <a:schemeClr val="accent1"/>
+          </a:effectRef>
+          <a:fontRef idx="minor">
+            <a:schemeClr val="lt1"/>
+          </a:fontRef>
+        </p:style>
+        <p:txBody>
+          <a:bodyPr rtlCol="0" anchor="ctr"/>
+          <a:lstStyle/>
+          <a:p>
+            <a:pPr algn="ctr"/>
+            <a:r>
+              <a:rPr lang="en-US" dirty="0">
+                <a:solidFill>
+                  <a:schemeClr val="tx1"/>
+                </a:solidFill>
+              </a:rPr>
+              <a:t>2</a:t>
+            </a:r>
+            <a:endParaRPr lang="en-CA" dirty="0">
+              <a:solidFill>
+                <a:schemeClr val="tx1"/>
+              </a:solidFill>
+            </a:endParaRPr>
+          </a:p>
+        </p:txBody>
+      </p:sp>
+      <p:sp>
+        <p:nvSpPr>
+          <p:cNvPr id="10" name="Oval 9">
+            <a:extLst>
+              <a:ext uri="{FF2B5EF4-FFF2-40B4-BE49-F238E27FC236}">
+                <a16:creationId xmlns:a16="http://schemas.microsoft.com/office/drawing/2014/main" id="{36C46F04-8581-C633-47DE-04F9FBCB73A3}"/>
+              </a:ext>
+            </a:extLst>
+          </p:cNvPr>
+          <p:cNvSpPr/>
+          <p:nvPr/>
+        </p:nvSpPr>
+        <p:spPr>
+          <a:xfrm>
+            <a:off x="3660181" y="3614284"/>
+            <a:ext cx="379142" cy="379142"/>
+          </a:xfrm>
+          <a:prstGeom prst="ellipse">
+            <a:avLst/>
+          </a:prstGeom>
+          <a:noFill/>
+          <a:ln w="25400">
+            <a:solidFill>
+              <a:schemeClr val="tx1"/>
+            </a:solidFill>
+          </a:ln>
+        </p:spPr>
+        <p:style>
+          <a:lnRef idx="2">
+            <a:schemeClr val="accent1">
+              <a:shade val="50000"/>
+            </a:schemeClr>
+          </a:lnRef>
+          <a:fillRef idx="1">
+            <a:schemeClr val="accent1"/>
+          </a:fillRef>
+          <a:effectRef idx="0">
+            <a:schemeClr val="accent1"/>
+          </a:effectRef>
+          <a:fontRef idx="minor">
+            <a:schemeClr val="lt1"/>
+          </a:fontRef>
+        </p:style>
+        <p:txBody>
+          <a:bodyPr rtlCol="0" anchor="ctr"/>
+          <a:lstStyle/>
+          <a:p>
+            <a:pPr algn="ctr"/>
+            <a:r>
+              <a:rPr lang="en-US" dirty="0">
+                <a:solidFill>
+                  <a:schemeClr val="tx1"/>
+                </a:solidFill>
+              </a:rPr>
+              <a:t>5</a:t>
+            </a:r>
+            <a:endParaRPr lang="en-CA" dirty="0">
+              <a:solidFill>
+                <a:schemeClr val="tx1"/>
+              </a:solidFill>
+            </a:endParaRPr>
+          </a:p>
+        </p:txBody>
+      </p:sp>
+      <p:cxnSp>
+        <p:nvCxnSpPr>
+          <p:cNvPr id="14" name="Straight Connector 13">
+            <a:extLst>
+              <a:ext uri="{FF2B5EF4-FFF2-40B4-BE49-F238E27FC236}">
+                <a16:creationId xmlns:a16="http://schemas.microsoft.com/office/drawing/2014/main" id="{AD6EB524-ACEB-034E-8FB3-170B82604468}"/>
+              </a:ext>
+            </a:extLst>
+          </p:cNvPr>
+          <p:cNvCxnSpPr>
+            <a:cxnSpLocks/>
+            <a:stCxn id="6" idx="6"/>
+            <a:endCxn id="9" idx="2"/>
+          </p:cNvCxnSpPr>
+          <p:nvPr/>
+        </p:nvCxnSpPr>
+        <p:spPr>
+          <a:xfrm>
+            <a:off x="4112597" y="2316589"/>
+            <a:ext cx="1952528" cy="248192"/>
+          </a:xfrm>
+          <a:prstGeom prst="line">
+            <a:avLst/>
+          </a:prstGeom>
+          <a:ln w="25400">
+            <a:solidFill>
+              <a:schemeClr val="tx1"/>
+            </a:solidFill>
+          </a:ln>
+        </p:spPr>
+        <p:style>
+          <a:lnRef idx="1">
+            <a:schemeClr val="accent1"/>
+          </a:lnRef>
+          <a:fillRef idx="0">
+            <a:schemeClr val="accent1"/>
+          </a:fillRef>
+          <a:effectRef idx="0">
+            <a:schemeClr val="accent1"/>
+          </a:effectRef>
+          <a:fontRef idx="minor">
+            <a:schemeClr val="tx1"/>
+          </a:fontRef>
+        </p:style>
+      </p:cxnSp>
+      <p:cxnSp>
+        <p:nvCxnSpPr>
+          <p:cNvPr id="22" name="Straight Connector 21">
+            <a:extLst>
+              <a:ext uri="{FF2B5EF4-FFF2-40B4-BE49-F238E27FC236}">
+                <a16:creationId xmlns:a16="http://schemas.microsoft.com/office/drawing/2014/main" id="{32AB2258-B00A-714E-9D92-832D8B4F514F}"/>
+              </a:ext>
+            </a:extLst>
+          </p:cNvPr>
+          <p:cNvCxnSpPr>
+            <a:cxnSpLocks/>
+            <a:stCxn id="9" idx="2"/>
+            <a:endCxn id="10" idx="6"/>
+          </p:cNvCxnSpPr>
+          <p:nvPr/>
+        </p:nvCxnSpPr>
+        <p:spPr>
+          <a:xfrm flipH="1">
+            <a:off x="4039323" y="2564781"/>
+            <a:ext cx="2025802" cy="1239074"/>
+          </a:xfrm>
+          <a:prstGeom prst="line">
+            <a:avLst/>
+          </a:prstGeom>
+          <a:ln w="25400">
+            <a:solidFill>
+              <a:schemeClr val="tx1"/>
+            </a:solidFill>
+          </a:ln>
+        </p:spPr>
+        <p:style>
+          <a:lnRef idx="1">
+            <a:schemeClr val="accent1"/>
+          </a:lnRef>
+          <a:fillRef idx="0">
+            <a:schemeClr val="accent1"/>
+          </a:fillRef>
+          <a:effectRef idx="0">
+            <a:schemeClr val="accent1"/>
+          </a:effectRef>
+          <a:fontRef idx="minor">
+            <a:schemeClr val="tx1"/>
+          </a:fontRef>
+        </p:style>
+      </p:cxnSp>
+      <p:cxnSp>
+        <p:nvCxnSpPr>
+          <p:cNvPr id="25" name="Straight Connector 24">
+            <a:extLst>
+              <a:ext uri="{FF2B5EF4-FFF2-40B4-BE49-F238E27FC236}">
+                <a16:creationId xmlns:a16="http://schemas.microsoft.com/office/drawing/2014/main" id="{6B71137E-F857-D4E6-88CA-FDD67048078D}"/>
+              </a:ext>
+            </a:extLst>
+          </p:cNvPr>
+          <p:cNvCxnSpPr>
+            <a:cxnSpLocks/>
+            <a:stCxn id="6" idx="6"/>
+            <a:endCxn id="8" idx="2"/>
+          </p:cNvCxnSpPr>
+          <p:nvPr/>
+        </p:nvCxnSpPr>
+        <p:spPr>
+          <a:xfrm>
+            <a:off x="4112597" y="2316589"/>
+            <a:ext cx="1952528" cy="1068941"/>
+          </a:xfrm>
+          <a:prstGeom prst="line">
+            <a:avLst/>
+          </a:prstGeom>
+          <a:ln w="25400">
+            <a:solidFill>
+              <a:schemeClr val="tx1"/>
+            </a:solidFill>
+          </a:ln>
+        </p:spPr>
+        <p:style>
+          <a:lnRef idx="1">
+            <a:schemeClr val="accent1"/>
+          </a:lnRef>
+          <a:fillRef idx="0">
+            <a:schemeClr val="accent1"/>
+          </a:fillRef>
+          <a:effectRef idx="0">
+            <a:schemeClr val="accent1"/>
+          </a:effectRef>
+          <a:fontRef idx="minor">
+            <a:schemeClr val="tx1"/>
+          </a:fontRef>
+        </p:style>
+      </p:cxnSp>
+      <p:sp>
+        <p:nvSpPr>
+          <p:cNvPr id="28" name="TextBox 27">
+            <a:extLst>
+              <a:ext uri="{FF2B5EF4-FFF2-40B4-BE49-F238E27FC236}">
+                <a16:creationId xmlns:a16="http://schemas.microsoft.com/office/drawing/2014/main" id="{01BBA4D8-2891-8207-7A3F-2F0A10C394C0}"/>
+              </a:ext>
+            </a:extLst>
+          </p:cNvPr>
+          <p:cNvSpPr txBox="1"/>
+          <p:nvPr/>
+        </p:nvSpPr>
+        <p:spPr>
+          <a:xfrm>
+            <a:off x="2842488" y="1630516"/>
+            <a:ext cx="620683" cy="523220"/>
+          </a:xfrm>
+          <a:prstGeom prst="rect">
+            <a:avLst/>
+          </a:prstGeom>
+          <a:noFill/>
+        </p:spPr>
+        <p:txBody>
+          <a:bodyPr wrap="square" rtlCol="0">
+            <a:spAutoFit/>
+          </a:bodyPr>
+          <a:lstStyle/>
+          <a:p>
+            <a:r>
+              <a:rPr lang="en-US" sz="2800" i="1" dirty="0">
+                <a:latin typeface="Times New Roman" panose="02020603050405020304" pitchFamily="18" charset="0"/>
+                <a:cs typeface="Times New Roman" panose="02020603050405020304" pitchFamily="18" charset="0"/>
+              </a:rPr>
+              <a:t>V</a:t>
+            </a:r>
+            <a:r>
+              <a:rPr lang="en-US" sz="2800" baseline="-25000" dirty="0">
+                <a:latin typeface="Times New Roman" panose="02020603050405020304" pitchFamily="18" charset="0"/>
+                <a:cs typeface="Times New Roman" panose="02020603050405020304" pitchFamily="18" charset="0"/>
+              </a:rPr>
+              <a:t>1</a:t>
+            </a:r>
+            <a:endParaRPr lang="en-CA" sz="2800" baseline="-25000" dirty="0">
+              <a:latin typeface="Times New Roman" panose="02020603050405020304" pitchFamily="18" charset="0"/>
+              <a:cs typeface="Times New Roman" panose="02020603050405020304" pitchFamily="18" charset="0"/>
+            </a:endParaRPr>
+          </a:p>
+        </p:txBody>
+      </p:sp>
+      <p:sp>
+        <p:nvSpPr>
+          <p:cNvPr id="29" name="TextBox 28">
+            <a:extLst>
+              <a:ext uri="{FF2B5EF4-FFF2-40B4-BE49-F238E27FC236}">
+                <a16:creationId xmlns:a16="http://schemas.microsoft.com/office/drawing/2014/main" id="{4C71BA26-CB4D-1822-E260-81D91AD43072}"/>
+              </a:ext>
+            </a:extLst>
+          </p:cNvPr>
+          <p:cNvSpPr txBox="1"/>
+          <p:nvPr/>
+        </p:nvSpPr>
+        <p:spPr>
+          <a:xfrm>
+            <a:off x="5375641" y="1689958"/>
+            <a:ext cx="620683" cy="523220"/>
+          </a:xfrm>
+          <a:prstGeom prst="rect">
+            <a:avLst/>
+          </a:prstGeom>
+          <a:noFill/>
+        </p:spPr>
+        <p:txBody>
+          <a:bodyPr wrap="square" rtlCol="0">
+            <a:spAutoFit/>
+          </a:bodyPr>
+          <a:lstStyle/>
+          <a:p>
+            <a:r>
+              <a:rPr lang="en-US" sz="2800" i="1" dirty="0">
+                <a:latin typeface="Times New Roman" panose="02020603050405020304" pitchFamily="18" charset="0"/>
+                <a:cs typeface="Times New Roman" panose="02020603050405020304" pitchFamily="18" charset="0"/>
+              </a:rPr>
+              <a:t>V</a:t>
+            </a:r>
+            <a:r>
+              <a:rPr lang="en-US" sz="2800" i="1" baseline="-25000" dirty="0">
+                <a:latin typeface="Times New Roman" panose="02020603050405020304" pitchFamily="18" charset="0"/>
+                <a:cs typeface="Times New Roman" panose="02020603050405020304" pitchFamily="18" charset="0"/>
+              </a:rPr>
+              <a:t>2</a:t>
+            </a:r>
+            <a:endParaRPr lang="en-CA" sz="2800" baseline="-25000" dirty="0">
+              <a:latin typeface="Times New Roman" panose="02020603050405020304" pitchFamily="18" charset="0"/>
+              <a:cs typeface="Times New Roman" panose="02020603050405020304" pitchFamily="18" charset="0"/>
+            </a:endParaRPr>
+          </a:p>
+        </p:txBody>
+      </p:sp>
+    </p:spTree>
+    <p:extLst>
+      <p:ext uri="{BB962C8B-B14F-4D97-AF65-F5344CB8AC3E}">
+        <p14:creationId xmlns:p14="http://schemas.microsoft.com/office/powerpoint/2010/main" val="4582264"/>
+      </p:ext>
+    </p:extLst>
+  </p:cSld>
+  <p:clrMapOvr>
+    <a:masterClrMapping/>
+  </p:clrMapOvr>
+</p:sld>
+</file>
+
+<file path=ppt/slides/slide3.xml><?xml version="1.0" encoding="utf-8"?>
+<p:sld xmlns:a="http://schemas.openxmlformats.org/drawingml/2006/main" xmlns:r="http://schemas.openxmlformats.org/officeDocument/2006/relationships" xmlns:p="http://schemas.openxmlformats.org/presentationml/2006/main">
+  <p:cSld>
+    <p:spTree>
+      <p:nvGrpSpPr>
+        <p:cNvPr id="1" name=""/>
+        <p:cNvGrpSpPr/>
+        <p:nvPr/>
+      </p:nvGrpSpPr>
+      <p:grpSpPr>
+        <a:xfrm>
+          <a:off x="0" y="0"/>
+          <a:ext cx="0" cy="0"/>
+          <a:chOff x="0" y="0"/>
+          <a:chExt cx="0" cy="0"/>
+        </a:xfrm>
+      </p:grpSpPr>
+      <p:graphicFrame>
+        <p:nvGraphicFramePr>
+          <p:cNvPr id="4" name="Table 4">
+            <a:extLst>
+              <a:ext uri="{FF2B5EF4-FFF2-40B4-BE49-F238E27FC236}">
+                <a16:creationId xmlns:a16="http://schemas.microsoft.com/office/drawing/2014/main" id="{E49A5E44-0E6F-6AB7-4E94-6FF9A0FB15C0}"/>
+              </a:ext>
+            </a:extLst>
+          </p:cNvPr>
+          <p:cNvGraphicFramePr>
+            <a:graphicFrameLocks noGrp="1"/>
+          </p:cNvGraphicFramePr>
+          <p:nvPr>
+            <p:extLst>
+              <p:ext uri="{D42A27DB-BD31-4B8C-83A1-F6EECF244321}">
+                <p14:modId xmlns:p14="http://schemas.microsoft.com/office/powerpoint/2010/main" val="3652503270"/>
+              </p:ext>
+            </p:extLst>
+          </p:nvPr>
+        </p:nvGraphicFramePr>
+        <p:xfrm>
+          <a:off x="4585110" y="2074332"/>
+          <a:ext cx="3021780" cy="2709336"/>
+        </p:xfrm>
+        <a:graphic>
+          <a:graphicData uri="http://schemas.openxmlformats.org/drawingml/2006/table">
+            <a:tbl>
+              <a:tblPr firstRow="1" bandRow="1">
+                <a:tableStyleId>{5940675A-B579-460E-94D1-54222C63F5DA}</a:tableStyleId>
+              </a:tblPr>
+              <a:tblGrid>
+                <a:gridCol w="503630">
+                  <a:extLst>
+                    <a:ext uri="{9D8B030D-6E8A-4147-A177-3AD203B41FA5}">
+                      <a16:colId xmlns:a16="http://schemas.microsoft.com/office/drawing/2014/main" val="2178074275"/>
+                    </a:ext>
+                  </a:extLst>
+                </a:gridCol>
+                <a:gridCol w="503630">
+                  <a:extLst>
+                    <a:ext uri="{9D8B030D-6E8A-4147-A177-3AD203B41FA5}">
+                      <a16:colId xmlns:a16="http://schemas.microsoft.com/office/drawing/2014/main" val="2884193173"/>
+                    </a:ext>
+                  </a:extLst>
+                </a:gridCol>
+                <a:gridCol w="503630">
+                  <a:extLst>
+                    <a:ext uri="{9D8B030D-6E8A-4147-A177-3AD203B41FA5}">
+                      <a16:colId xmlns:a16="http://schemas.microsoft.com/office/drawing/2014/main" val="3669826383"/>
+                    </a:ext>
+                  </a:extLst>
+                </a:gridCol>
+                <a:gridCol w="503630">
+                  <a:extLst>
+                    <a:ext uri="{9D8B030D-6E8A-4147-A177-3AD203B41FA5}">
+                      <a16:colId xmlns:a16="http://schemas.microsoft.com/office/drawing/2014/main" val="3273125272"/>
+                    </a:ext>
+                  </a:extLst>
+                </a:gridCol>
+                <a:gridCol w="503630">
+                  <a:extLst>
+                    <a:ext uri="{9D8B030D-6E8A-4147-A177-3AD203B41FA5}">
+                      <a16:colId xmlns:a16="http://schemas.microsoft.com/office/drawing/2014/main" val="1871211169"/>
+                    </a:ext>
+                  </a:extLst>
+                </a:gridCol>
+                <a:gridCol w="503630">
+                  <a:extLst>
+                    <a:ext uri="{9D8B030D-6E8A-4147-A177-3AD203B41FA5}">
+                      <a16:colId xmlns:a16="http://schemas.microsoft.com/office/drawing/2014/main" val="42972921"/>
+                    </a:ext>
+                  </a:extLst>
+                </a:gridCol>
+              </a:tblGrid>
+              <a:tr h="451556">
+                <a:tc>
+                  <a:txBody>
+                    <a:bodyPr/>
+                    <a:lstStyle/>
+                    <a:p>
+                      <a:pPr algn="ctr"/>
+                      <a:endParaRPr lang="en-US" dirty="0"/>
+                    </a:p>
+                  </a:txBody>
+                  <a:tcPr anchor="ctr">
+                    <a:lnL w="12700" cap="flat" cmpd="sng" algn="ctr">
+                      <a:noFill/>
+                      <a:prstDash val="solid"/>
+                      <a:round/>
+                      <a:headEnd type="none" w="med" len="med"/>
+                      <a:tailEnd type="none" w="med" len="med"/>
+                    </a:lnL>
+                    <a:lnR w="12700" cap="flat" cmpd="sng" algn="ctr">
+                      <a:noFill/>
+                      <a:prstDash val="solid"/>
+                      <a:round/>
+                      <a:headEnd type="none" w="med" len="med"/>
+                      <a:tailEnd type="none" w="med" len="med"/>
+                    </a:lnR>
+                    <a:lnT w="12700" cap="flat" cmpd="sng" algn="ctr">
+                      <a:noFill/>
+                      <a:prstDash val="solid"/>
+                      <a:round/>
+                      <a:headEnd type="none" w="med" len="med"/>
+                      <a:tailEnd type="none" w="med" len="med"/>
+                    </a:lnT>
+                    <a:lnB w="12700" cap="flat" cmpd="sng" algn="ctr">
+                      <a:noFill/>
+                      <a:prstDash val="solid"/>
+                      <a:round/>
+                      <a:headEnd type="none" w="med" len="med"/>
+                      <a:tailEnd type="none" w="med" len="med"/>
+                    </a:lnB>
+                    <a:lnTlToBr w="12700" cap="flat" cmpd="sng" algn="ctr">
+                      <a:solidFill>
+                        <a:schemeClr val="tx1"/>
+                      </a:solidFill>
+                      <a:prstDash val="solid"/>
+                      <a:round/>
+                      <a:headEnd type="none" w="med" len="med"/>
+                      <a:tailEnd type="none" w="med" len="med"/>
+                    </a:lnTlToBr>
+                    <a:lnBlToTr w="12700" cap="flat" cmpd="sng" algn="ctr">
+                      <a:noFill/>
+                      <a:prstDash val="solid"/>
+                      <a:round/>
+                      <a:headEnd type="none" w="med" len="med"/>
+                      <a:tailEnd type="none" w="med" len="med"/>
+                    </a:lnBlToTr>
+                    <a:solidFill>
+                      <a:schemeClr val="bg1"/>
+                    </a:solidFill>
+                  </a:tcPr>
+                </a:tc>
+                <a:tc>
+                  <a:txBody>
+                    <a:bodyPr/>
+                    <a:lstStyle/>
+                    <a:p>
+                      <a:pPr algn="ctr"/>
+                      <a:r>
+                        <a:rPr lang="en-CA" dirty="0"/>
+                        <a:t>1</a:t>
+                      </a:r>
+                      <a:endParaRPr lang="en-US" dirty="0"/>
+                    </a:p>
+                  </a:txBody>
+                  <a:tcPr anchor="ctr">
+                    <a:lnL w="12700" cap="flat" cmpd="sng" algn="ctr">
+                      <a:noFill/>
+                      <a:prstDash val="solid"/>
+                      <a:round/>
+                      <a:headEnd type="none" w="med" len="med"/>
+                      <a:tailEnd type="none" w="med" len="med"/>
+                    </a:lnL>
+                    <a:lnR w="12700" cap="flat" cmpd="sng" algn="ctr">
+                      <a:noFill/>
+                      <a:prstDash val="solid"/>
+                      <a:round/>
+                      <a:headEnd type="none" w="med" len="med"/>
+                      <a:tailEnd type="none" w="med" len="med"/>
+                    </a:lnR>
+                    <a:lnT w="12700" cmpd="sng">
+                      <a:noFill/>
+                    </a:lnT>
+                    <a:lnB w="12700" cap="flat" cmpd="sng" algn="ctr">
+                      <a:solidFill>
+                        <a:schemeClr val="tx1"/>
+                      </a:solidFill>
+                      <a:prstDash val="solid"/>
+                      <a:round/>
+                      <a:headEnd type="none" w="med" len="med"/>
+                      <a:tailEnd type="none" w="med" len="med"/>
+                    </a:lnB>
+                    <a:lnTlToBr w="12700" cmpd="sng">
+                      <a:noFill/>
+                      <a:prstDash val="solid"/>
+                    </a:lnTlToBr>
+                    <a:lnBlToTr w="12700" cmpd="sng">
+                      <a:noFill/>
+                      <a:prstDash val="solid"/>
+                    </a:lnBlToTr>
+                    <a:solidFill>
+                      <a:schemeClr val="bg1"/>
+                    </a:solidFill>
+                  </a:tcPr>
+                </a:tc>
+                <a:tc>
+                  <a:txBody>
+                    <a:bodyPr/>
+                    <a:lstStyle/>
+                    <a:p>
+                      <a:pPr algn="ctr"/>
+                      <a:r>
+                        <a:rPr lang="en-US" dirty="0"/>
+                        <a:t>3</a:t>
+                      </a:r>
+                    </a:p>
+                  </a:txBody>
+                  <a:tcPr anchor="ctr">
+                    <a:lnL w="12700" cap="flat" cmpd="sng" algn="ctr">
+                      <a:noFill/>
+                      <a:prstDash val="solid"/>
+                      <a:round/>
+                      <a:headEnd type="none" w="med" len="med"/>
+                      <a:tailEnd type="none" w="med" len="med"/>
+                    </a:lnL>
+                    <a:lnR w="12700" cap="flat" cmpd="sng" algn="ctr">
+                      <a:noFill/>
+                      <a:prstDash val="solid"/>
+                      <a:round/>
+                      <a:headEnd type="none" w="med" len="med"/>
+                      <a:tailEnd type="none" w="med" len="med"/>
+                    </a:lnR>
+                    <a:lnT w="12700" cmpd="sng">
+                      <a:noFill/>
+                    </a:lnT>
+                    <a:lnB w="12700" cap="flat" cmpd="sng" algn="ctr">
+                      <a:solidFill>
+                        <a:schemeClr val="tx1"/>
+                      </a:solidFill>
+                      <a:prstDash val="solid"/>
+                      <a:round/>
+                      <a:headEnd type="none" w="med" len="med"/>
+                      <a:tailEnd type="none" w="med" len="med"/>
+                    </a:lnB>
+                    <a:lnTlToBr w="12700" cmpd="sng">
+                      <a:noFill/>
+                      <a:prstDash val="solid"/>
+                    </a:lnTlToBr>
+                    <a:lnBlToTr w="12700" cmpd="sng">
+                      <a:noFill/>
+                      <a:prstDash val="solid"/>
+                    </a:lnBlToTr>
+                    <a:solidFill>
+                      <a:schemeClr val="bg1"/>
+                    </a:solidFill>
+                  </a:tcPr>
+                </a:tc>
+                <a:tc>
+                  <a:txBody>
+                    <a:bodyPr/>
+                    <a:lstStyle/>
+                    <a:p>
+                      <a:pPr algn="ctr"/>
+                      <a:r>
+                        <a:rPr lang="en-US" dirty="0"/>
+                        <a:t>5</a:t>
+                      </a:r>
+                    </a:p>
+                  </a:txBody>
+                  <a:tcPr anchor="ctr">
+                    <a:lnL w="12700" cap="flat" cmpd="sng" algn="ctr">
+                      <a:noFill/>
+                      <a:prstDash val="solid"/>
+                      <a:round/>
+                      <a:headEnd type="none" w="med" len="med"/>
+                      <a:tailEnd type="none" w="med" len="med"/>
+                    </a:lnL>
+                    <a:lnR w="12700" cap="flat" cmpd="sng" algn="ctr">
+                      <a:noFill/>
+                      <a:prstDash val="solid"/>
+                      <a:round/>
+                      <a:headEnd type="none" w="med" len="med"/>
+                      <a:tailEnd type="none" w="med" len="med"/>
+                    </a:lnR>
+                    <a:lnT w="12700" cmpd="sng">
+                      <a:noFill/>
+                    </a:lnT>
+                    <a:lnB w="12700" cap="flat" cmpd="sng" algn="ctr">
+                      <a:solidFill>
+                        <a:schemeClr val="tx1"/>
+                      </a:solidFill>
+                      <a:prstDash val="solid"/>
+                      <a:round/>
+                      <a:headEnd type="none" w="med" len="med"/>
+                      <a:tailEnd type="none" w="med" len="med"/>
+                    </a:lnB>
+                    <a:lnTlToBr w="12700" cmpd="sng">
+                      <a:noFill/>
+                      <a:prstDash val="solid"/>
+                    </a:lnTlToBr>
+                    <a:lnBlToTr w="12700" cmpd="sng">
+                      <a:noFill/>
+                      <a:prstDash val="solid"/>
+                    </a:lnBlToTr>
+                    <a:solidFill>
+                      <a:schemeClr val="bg1"/>
+                    </a:solidFill>
+                  </a:tcPr>
+                </a:tc>
+                <a:tc>
+                  <a:txBody>
+                    <a:bodyPr/>
+                    <a:lstStyle/>
+                    <a:p>
+                      <a:pPr algn="ctr"/>
+                      <a:r>
+                        <a:rPr lang="en-US" dirty="0"/>
+                        <a:t>2</a:t>
+                      </a:r>
+                    </a:p>
+                  </a:txBody>
+                  <a:tcPr anchor="ctr">
+                    <a:lnL w="12700" cap="flat" cmpd="sng" algn="ctr">
+                      <a:noFill/>
+                      <a:prstDash val="solid"/>
+                      <a:round/>
+                      <a:headEnd type="none" w="med" len="med"/>
+                      <a:tailEnd type="none" w="med" len="med"/>
+                    </a:lnL>
+                    <a:lnR w="12700" cap="flat" cmpd="sng" algn="ctr">
+                      <a:noFill/>
+                      <a:prstDash val="solid"/>
+                      <a:round/>
+                      <a:headEnd type="none" w="med" len="med"/>
+                      <a:tailEnd type="none" w="med" len="med"/>
+                    </a:lnR>
+                    <a:lnT w="12700" cmpd="sng">
+                      <a:noFill/>
+                    </a:lnT>
+                    <a:lnB w="12700" cap="flat" cmpd="sng" algn="ctr">
+                      <a:solidFill>
+                        <a:schemeClr val="tx1"/>
+                      </a:solidFill>
+                      <a:prstDash val="solid"/>
+                      <a:round/>
+                      <a:headEnd type="none" w="med" len="med"/>
+                      <a:tailEnd type="none" w="med" len="med"/>
+                    </a:lnB>
+                    <a:lnTlToBr w="12700" cmpd="sng">
+                      <a:noFill/>
+                      <a:prstDash val="solid"/>
+                    </a:lnTlToBr>
+                    <a:lnBlToTr w="12700" cmpd="sng">
+                      <a:noFill/>
+                      <a:prstDash val="solid"/>
+                    </a:lnBlToTr>
+                    <a:solidFill>
+                      <a:schemeClr val="bg1"/>
+                    </a:solidFill>
+                  </a:tcPr>
+                </a:tc>
+                <a:tc>
+                  <a:txBody>
+                    <a:bodyPr/>
+                    <a:lstStyle/>
+                    <a:p>
+                      <a:pPr algn="ctr"/>
+                      <a:r>
+                        <a:rPr lang="en-US" dirty="0"/>
+                        <a:t>4</a:t>
+                      </a:r>
+                    </a:p>
+                  </a:txBody>
+                  <a:tcPr anchor="ctr">
+                    <a:lnL w="12700" cap="flat" cmpd="sng" algn="ctr">
+                      <a:noFill/>
+                      <a:prstDash val="solid"/>
+                      <a:round/>
+                      <a:headEnd type="none" w="med" len="med"/>
+                      <a:tailEnd type="none" w="med" len="med"/>
+                    </a:lnL>
+                    <a:lnR w="12700" cmpd="sng">
+                      <a:noFill/>
+                    </a:lnR>
+                    <a:lnT w="12700" cmpd="sng">
+                      <a:noFill/>
+                    </a:lnT>
+                    <a:lnB w="12700" cap="flat" cmpd="sng" algn="ctr">
+                      <a:solidFill>
+                        <a:schemeClr val="tx1"/>
+                      </a:solidFill>
+                      <a:prstDash val="solid"/>
+                      <a:round/>
+                      <a:headEnd type="none" w="med" len="med"/>
+                      <a:tailEnd type="none" w="med" len="med"/>
+                    </a:lnB>
+                    <a:lnTlToBr w="12700" cmpd="sng">
+                      <a:noFill/>
+                      <a:prstDash val="solid"/>
+                    </a:lnTlToBr>
+                    <a:lnBlToTr w="12700" cmpd="sng">
+                      <a:noFill/>
+                      <a:prstDash val="solid"/>
+                    </a:lnBlToTr>
+                    <a:solidFill>
+                      <a:schemeClr val="bg1"/>
+                    </a:solidFill>
+                  </a:tcPr>
+                </a:tc>
+                <a:extLst>
+                  <a:ext uri="{0D108BD9-81ED-4DB2-BD59-A6C34878D82A}">
+                    <a16:rowId xmlns:a16="http://schemas.microsoft.com/office/drawing/2014/main" val="3925223464"/>
+                  </a:ext>
+                </a:extLst>
+              </a:tr>
+              <a:tr h="451556">
+                <a:tc>
+                  <a:txBody>
+                    <a:bodyPr/>
+                    <a:lstStyle/>
+                    <a:p>
+                      <a:pPr algn="ctr"/>
+                      <a:r>
+                        <a:rPr lang="en-CA" dirty="0"/>
+                        <a:t>1</a:t>
+                      </a:r>
+                      <a:endParaRPr lang="en-US" dirty="0"/>
+                    </a:p>
+                  </a:txBody>
+                  <a:tcPr anchor="ctr">
+                    <a:lnL w="12700" cmpd="sng">
+                      <a:noFill/>
+                    </a:lnL>
+                    <a:lnR w="12700" cap="flat" cmpd="sng" algn="ctr">
+                      <a:solidFill>
+                        <a:schemeClr val="tx1"/>
+                      </a:solidFill>
+                      <a:prstDash val="solid"/>
+                      <a:round/>
+                      <a:headEnd type="none" w="med" len="med"/>
+                      <a:tailEnd type="none" w="med" len="med"/>
+                    </a:lnR>
+                    <a:lnT w="12700" cap="flat" cmpd="sng" algn="ctr">
+                      <a:noFill/>
+                      <a:prstDash val="solid"/>
+                      <a:round/>
+                      <a:headEnd type="none" w="med" len="med"/>
+                      <a:tailEnd type="none" w="med" len="med"/>
+                    </a:lnT>
+                    <a:lnB w="12700" cap="flat" cmpd="sng" algn="ctr">
+                      <a:noFill/>
+                      <a:prstDash val="solid"/>
+                      <a:round/>
+                      <a:headEnd type="none" w="med" len="med"/>
+                      <a:tailEnd type="none" w="med" len="med"/>
+                    </a:lnB>
+                    <a:lnTlToBr w="12700" cmpd="sng">
+                      <a:noFill/>
+                      <a:prstDash val="solid"/>
+                    </a:lnTlToBr>
+                    <a:lnBlToTr w="12700" cmpd="sng">
+                      <a:noFill/>
+                      <a:prstDash val="solid"/>
+                    </a:lnBlToTr>
+                    <a:solidFill>
+                      <a:schemeClr val="bg1"/>
+                    </a:solidFill>
+                  </a:tcPr>
+                </a:tc>
+                <a:tc>
+                  <a:txBody>
+                    <a:bodyPr/>
+                    <a:lstStyle/>
+                    <a:p>
+                      <a:pPr algn="ctr"/>
+                      <a:r>
+                        <a:rPr lang="en-CA" dirty="0"/>
+                        <a:t>0</a:t>
+                      </a:r>
+                      <a:endParaRPr lang="en-US" dirty="0"/>
+                    </a:p>
+                  </a:txBody>
+                  <a:tcPr anchor="ctr">
+                    <a:lnL w="12700" cap="flat" cmpd="sng" algn="ctr">
+                      <a:solidFill>
+                        <a:schemeClr val="tx1"/>
+                      </a:solidFill>
+                      <a:prstDash val="solid"/>
+                      <a:round/>
+                      <a:headEnd type="none" w="med" len="med"/>
+                      <a:tailEnd type="none" w="med" len="med"/>
+                    </a:lnL>
+                    <a:lnR w="12700" cap="flat" cmpd="sng" algn="ctr">
+                      <a:solidFill>
+                        <a:schemeClr val="tx1"/>
+                      </a:solidFill>
+                      <a:prstDash val="solid"/>
+                      <a:round/>
+                      <a:headEnd type="none" w="med" len="med"/>
+                      <a:tailEnd type="none" w="med" len="med"/>
+                    </a:lnR>
+                    <a:lnT w="12700" cap="flat" cmpd="sng" algn="ctr">
+                      <a:solidFill>
+                        <a:schemeClr val="tx1"/>
+                      </a:solidFill>
+                      <a:prstDash val="solid"/>
+                      <a:round/>
+                      <a:headEnd type="none" w="med" len="med"/>
+                      <a:tailEnd type="none" w="med" len="med"/>
+                    </a:lnT>
+                    <a:lnB w="12700" cap="flat" cmpd="sng" algn="ctr">
+                      <a:solidFill>
+                        <a:schemeClr val="tx1"/>
+                      </a:solidFill>
+                      <a:prstDash val="solid"/>
+                      <a:round/>
+                      <a:headEnd type="none" w="med" len="med"/>
+                      <a:tailEnd type="none" w="med" len="med"/>
+                    </a:lnB>
+                    <a:lnTlToBr w="12700" cmpd="sng">
+                      <a:noFill/>
+                      <a:prstDash val="solid"/>
+                    </a:lnTlToBr>
+                    <a:lnBlToTr w="12700" cmpd="sng">
+                      <a:noFill/>
+                      <a:prstDash val="solid"/>
+                    </a:lnBlToTr>
+                    <a:solidFill>
+                      <a:schemeClr val="accent2">
+                        <a:lumMod val="20000"/>
+                        <a:lumOff val="80000"/>
+                      </a:schemeClr>
+                    </a:solidFill>
+                  </a:tcPr>
+                </a:tc>
+                <a:tc>
+                  <a:txBody>
+                    <a:bodyPr/>
+                    <a:lstStyle/>
+                    <a:p>
+                      <a:pPr algn="ctr"/>
+                      <a:r>
+                        <a:rPr lang="en-US" dirty="0"/>
+                        <a:t>0</a:t>
+                      </a:r>
+                    </a:p>
+                  </a:txBody>
+                  <a:tcPr anchor="ctr">
+                    <a:lnL w="12700" cap="flat" cmpd="sng" algn="ctr">
+                      <a:solidFill>
+                        <a:schemeClr val="tx1"/>
+                      </a:solidFill>
+                      <a:prstDash val="solid"/>
+                      <a:round/>
+                      <a:headEnd type="none" w="med" len="med"/>
+                      <a:tailEnd type="none" w="med" len="med"/>
+                    </a:lnL>
+                    <a:lnR w="12700" cap="flat" cmpd="sng" algn="ctr">
+                      <a:solidFill>
+                        <a:schemeClr val="tx1"/>
+                      </a:solidFill>
+                      <a:prstDash val="solid"/>
+                      <a:round/>
+                      <a:headEnd type="none" w="med" len="med"/>
+                      <a:tailEnd type="none" w="med" len="med"/>
+                    </a:lnR>
+                    <a:lnT w="12700" cap="flat" cmpd="sng" algn="ctr">
+                      <a:solidFill>
+                        <a:schemeClr val="tx1"/>
+                      </a:solidFill>
+                      <a:prstDash val="solid"/>
+                      <a:round/>
+                      <a:headEnd type="none" w="med" len="med"/>
+                      <a:tailEnd type="none" w="med" len="med"/>
+                    </a:lnT>
+                    <a:lnB w="12700" cap="flat" cmpd="sng" algn="ctr">
+                      <a:solidFill>
+                        <a:schemeClr val="tx1"/>
+                      </a:solidFill>
+                      <a:prstDash val="solid"/>
+                      <a:round/>
+                      <a:headEnd type="none" w="med" len="med"/>
+                      <a:tailEnd type="none" w="med" len="med"/>
+                    </a:lnB>
+                    <a:lnTlToBr w="12700" cmpd="sng">
+                      <a:noFill/>
+                      <a:prstDash val="solid"/>
+                    </a:lnTlToBr>
+                    <a:lnBlToTr w="12700" cmpd="sng">
+                      <a:noFill/>
+                      <a:prstDash val="solid"/>
+                    </a:lnBlToTr>
+                    <a:solidFill>
+                      <a:schemeClr val="accent2">
+                        <a:lumMod val="20000"/>
+                        <a:lumOff val="80000"/>
+                      </a:schemeClr>
+                    </a:solidFill>
+                  </a:tcPr>
+                </a:tc>
+                <a:tc>
+                  <a:txBody>
+                    <a:bodyPr/>
+                    <a:lstStyle/>
+                    <a:p>
+                      <a:pPr algn="ctr"/>
+                      <a:r>
+                        <a:rPr lang="en-US" dirty="0"/>
+                        <a:t>0</a:t>
+                      </a:r>
+                    </a:p>
+                  </a:txBody>
+                  <a:tcPr anchor="ctr">
+                    <a:lnL w="12700" cap="flat" cmpd="sng" algn="ctr">
+                      <a:solidFill>
+                        <a:schemeClr val="tx1"/>
+                      </a:solidFill>
+                      <a:prstDash val="solid"/>
+                      <a:round/>
+                      <a:headEnd type="none" w="med" len="med"/>
+                      <a:tailEnd type="none" w="med" len="med"/>
+                    </a:lnL>
+                    <a:lnR w="12700" cap="flat" cmpd="sng" algn="ctr">
+                      <a:solidFill>
+                        <a:schemeClr val="tx1"/>
+                      </a:solidFill>
+                      <a:prstDash val="solid"/>
+                      <a:round/>
+                      <a:headEnd type="none" w="med" len="med"/>
+                      <a:tailEnd type="none" w="med" len="med"/>
+                    </a:lnR>
+                    <a:lnT w="12700" cap="flat" cmpd="sng" algn="ctr">
+                      <a:solidFill>
+                        <a:schemeClr val="tx1"/>
+                      </a:solidFill>
+                      <a:prstDash val="solid"/>
+                      <a:round/>
+                      <a:headEnd type="none" w="med" len="med"/>
+                      <a:tailEnd type="none" w="med" len="med"/>
+                    </a:lnT>
+                    <a:lnB w="12700" cap="flat" cmpd="sng" algn="ctr">
+                      <a:solidFill>
+                        <a:schemeClr val="tx1"/>
+                      </a:solidFill>
+                      <a:prstDash val="solid"/>
+                      <a:round/>
+                      <a:headEnd type="none" w="med" len="med"/>
+                      <a:tailEnd type="none" w="med" len="med"/>
+                    </a:lnB>
+                    <a:lnTlToBr w="12700" cmpd="sng">
+                      <a:noFill/>
+                      <a:prstDash val="solid"/>
+                    </a:lnTlToBr>
+                    <a:lnBlToTr w="12700" cmpd="sng">
+                      <a:noFill/>
+                      <a:prstDash val="solid"/>
+                    </a:lnBlToTr>
+                    <a:solidFill>
+                      <a:schemeClr val="accent2">
+                        <a:lumMod val="20000"/>
+                        <a:lumOff val="80000"/>
+                      </a:schemeClr>
+                    </a:solidFill>
+                  </a:tcPr>
+                </a:tc>
+                <a:tc>
+                  <a:txBody>
+                    <a:bodyPr/>
+                    <a:lstStyle/>
+                    <a:p>
+                      <a:pPr algn="ctr"/>
+                      <a:r>
+                        <a:rPr lang="en-CA" dirty="0"/>
+                        <a:t>1</a:t>
+                      </a:r>
+                      <a:endParaRPr lang="en-US" dirty="0"/>
+                    </a:p>
+                  </a:txBody>
+                  <a:tcPr anchor="ctr">
+                    <a:lnL w="12700" cap="flat" cmpd="sng" algn="ctr">
+                      <a:solidFill>
+                        <a:schemeClr val="tx1"/>
+                      </a:solidFill>
+                      <a:prstDash val="solid"/>
+                      <a:round/>
+                      <a:headEnd type="none" w="med" len="med"/>
+                      <a:tailEnd type="none" w="med" len="med"/>
+                    </a:lnL>
+                    <a:lnR w="12700" cap="flat" cmpd="sng" algn="ctr">
+                      <a:solidFill>
+                        <a:schemeClr val="tx1"/>
+                      </a:solidFill>
+                      <a:prstDash val="solid"/>
+                      <a:round/>
+                      <a:headEnd type="none" w="med" len="med"/>
+                      <a:tailEnd type="none" w="med" len="med"/>
+                    </a:lnR>
+                    <a:lnT w="12700" cap="flat" cmpd="sng" algn="ctr">
+                      <a:solidFill>
+                        <a:schemeClr val="tx1"/>
+                      </a:solidFill>
+                      <a:prstDash val="solid"/>
+                      <a:round/>
+                      <a:headEnd type="none" w="med" len="med"/>
+                      <a:tailEnd type="none" w="med" len="med"/>
+                    </a:lnT>
+                    <a:lnB w="12700" cap="flat" cmpd="sng" algn="ctr">
+                      <a:solidFill>
+                        <a:schemeClr val="tx1"/>
+                      </a:solidFill>
+                      <a:prstDash val="solid"/>
+                      <a:round/>
+                      <a:headEnd type="none" w="med" len="med"/>
+                      <a:tailEnd type="none" w="med" len="med"/>
+                    </a:lnB>
+                    <a:lnTlToBr w="12700" cmpd="sng">
+                      <a:noFill/>
+                      <a:prstDash val="solid"/>
+                    </a:lnTlToBr>
+                    <a:lnBlToTr w="12700" cmpd="sng">
+                      <a:noFill/>
+                      <a:prstDash val="solid"/>
+                    </a:lnBlToTr>
+                    <a:solidFill>
+                      <a:schemeClr val="accent6">
+                        <a:lumMod val="20000"/>
+                        <a:lumOff val="80000"/>
+                      </a:schemeClr>
+                    </a:solidFill>
+                  </a:tcPr>
+                </a:tc>
+                <a:tc>
+                  <a:txBody>
+                    <a:bodyPr/>
+                    <a:lstStyle/>
+                    <a:p>
+                      <a:pPr algn="ctr"/>
+                      <a:r>
+                        <a:rPr lang="en-US" dirty="0"/>
+                        <a:t>1</a:t>
+                      </a:r>
+                    </a:p>
+                  </a:txBody>
+                  <a:tcPr anchor="ctr">
+                    <a:lnL w="12700" cap="flat" cmpd="sng" algn="ctr">
+                      <a:solidFill>
+                        <a:schemeClr val="tx1"/>
+                      </a:solidFill>
+                      <a:prstDash val="solid"/>
+                      <a:round/>
+                      <a:headEnd type="none" w="med" len="med"/>
+                      <a:tailEnd type="none" w="med" len="med"/>
+                    </a:lnL>
+                    <a:lnR w="12700" cap="flat" cmpd="sng" algn="ctr">
+                      <a:solidFill>
+                        <a:schemeClr val="tx1"/>
+                      </a:solidFill>
+                      <a:prstDash val="solid"/>
+                      <a:round/>
+                      <a:headEnd type="none" w="med" len="med"/>
+                      <a:tailEnd type="none" w="med" len="med"/>
+                    </a:lnR>
+                    <a:lnT w="12700" cap="flat" cmpd="sng" algn="ctr">
+                      <a:solidFill>
+                        <a:schemeClr val="tx1"/>
+                      </a:solidFill>
+                      <a:prstDash val="solid"/>
+                      <a:round/>
+                      <a:headEnd type="none" w="med" len="med"/>
+                      <a:tailEnd type="none" w="med" len="med"/>
+                    </a:lnT>
+                    <a:lnB w="12700" cap="flat" cmpd="sng" algn="ctr">
+                      <a:solidFill>
+                        <a:schemeClr val="tx1"/>
+                      </a:solidFill>
+                      <a:prstDash val="solid"/>
+                      <a:round/>
+                      <a:headEnd type="none" w="med" len="med"/>
+                      <a:tailEnd type="none" w="med" len="med"/>
+                    </a:lnB>
+                    <a:lnTlToBr w="12700" cmpd="sng">
+                      <a:noFill/>
+                      <a:prstDash val="solid"/>
+                    </a:lnTlToBr>
+                    <a:lnBlToTr w="12700" cmpd="sng">
+                      <a:noFill/>
+                      <a:prstDash val="solid"/>
+                    </a:lnBlToTr>
+                    <a:solidFill>
+                      <a:schemeClr val="accent6">
+                        <a:lumMod val="20000"/>
+                        <a:lumOff val="80000"/>
+                      </a:schemeClr>
+                    </a:solidFill>
+                  </a:tcPr>
+                </a:tc>
+                <a:extLst>
+                  <a:ext uri="{0D108BD9-81ED-4DB2-BD59-A6C34878D82A}">
+                    <a16:rowId xmlns:a16="http://schemas.microsoft.com/office/drawing/2014/main" val="2128114523"/>
+                  </a:ext>
+                </a:extLst>
+              </a:tr>
+              <a:tr h="451556">
+                <a:tc>
+                  <a:txBody>
+                    <a:bodyPr/>
+                    <a:lstStyle/>
+                    <a:p>
+                      <a:pPr algn="ctr"/>
+                      <a:r>
+                        <a:rPr lang="en-US" dirty="0"/>
+                        <a:t>3</a:t>
+                      </a:r>
+                    </a:p>
+                  </a:txBody>
+                  <a:tcPr anchor="ctr">
+                    <a:lnL w="12700" cmpd="sng">
+                      <a:noFill/>
+                    </a:lnL>
+                    <a:lnR w="12700" cap="flat" cmpd="sng" algn="ctr">
+                      <a:solidFill>
+                        <a:schemeClr val="tx1"/>
+                      </a:solidFill>
+                      <a:prstDash val="solid"/>
+                      <a:round/>
+                      <a:headEnd type="none" w="med" len="med"/>
+                      <a:tailEnd type="none" w="med" len="med"/>
+                    </a:lnR>
+                    <a:lnT w="12700" cap="flat" cmpd="sng" algn="ctr">
+                      <a:noFill/>
+                      <a:prstDash val="solid"/>
+                      <a:round/>
+                      <a:headEnd type="none" w="med" len="med"/>
+                      <a:tailEnd type="none" w="med" len="med"/>
+                    </a:lnT>
+                    <a:lnB w="12700" cap="flat" cmpd="sng" algn="ctr">
+                      <a:noFill/>
+                      <a:prstDash val="solid"/>
+                      <a:round/>
+                      <a:headEnd type="none" w="med" len="med"/>
+                      <a:tailEnd type="none" w="med" len="med"/>
+                    </a:lnB>
+                    <a:lnTlToBr w="12700" cmpd="sng">
+                      <a:noFill/>
+                      <a:prstDash val="solid"/>
+                    </a:lnTlToBr>
+                    <a:lnBlToTr w="12700" cmpd="sng">
+                      <a:noFill/>
+                      <a:prstDash val="solid"/>
+                    </a:lnBlToTr>
+                    <a:solidFill>
+                      <a:schemeClr val="bg1"/>
+                    </a:solidFill>
+                  </a:tcPr>
+                </a:tc>
+                <a:tc>
+                  <a:txBody>
+                    <a:bodyPr/>
+                    <a:lstStyle/>
+                    <a:p>
+                      <a:pPr algn="ctr"/>
+                      <a:r>
+                        <a:rPr lang="en-US" dirty="0"/>
+                        <a:t>0</a:t>
+                      </a:r>
+                    </a:p>
+                  </a:txBody>
+                  <a:tcPr anchor="ctr">
+                    <a:lnL w="12700" cap="flat" cmpd="sng" algn="ctr">
+                      <a:solidFill>
+                        <a:schemeClr val="tx1"/>
+                      </a:solidFill>
+                      <a:prstDash val="solid"/>
+                      <a:round/>
+                      <a:headEnd type="none" w="med" len="med"/>
+                      <a:tailEnd type="none" w="med" len="med"/>
+                    </a:lnL>
+                    <a:lnR w="12700" cap="flat" cmpd="sng" algn="ctr">
+                      <a:solidFill>
+                        <a:schemeClr val="tx1"/>
+                      </a:solidFill>
+                      <a:prstDash val="solid"/>
+                      <a:round/>
+                      <a:headEnd type="none" w="med" len="med"/>
+                      <a:tailEnd type="none" w="med" len="med"/>
+                    </a:lnR>
+                    <a:lnT w="12700" cap="flat" cmpd="sng" algn="ctr">
+                      <a:solidFill>
+                        <a:schemeClr val="tx1"/>
+                      </a:solidFill>
+                      <a:prstDash val="solid"/>
+                      <a:round/>
+                      <a:headEnd type="none" w="med" len="med"/>
+                      <a:tailEnd type="none" w="med" len="med"/>
+                    </a:lnT>
+                    <a:lnB w="12700" cap="flat" cmpd="sng" algn="ctr">
+                      <a:solidFill>
+                        <a:schemeClr val="tx1"/>
+                      </a:solidFill>
+                      <a:prstDash val="solid"/>
+                      <a:round/>
+                      <a:headEnd type="none" w="med" len="med"/>
+                      <a:tailEnd type="none" w="med" len="med"/>
+                    </a:lnB>
+                    <a:lnTlToBr w="12700" cmpd="sng">
+                      <a:noFill/>
+                      <a:prstDash val="solid"/>
+                    </a:lnTlToBr>
+                    <a:lnBlToTr w="12700" cmpd="sng">
+                      <a:noFill/>
+                      <a:prstDash val="solid"/>
+                    </a:lnBlToTr>
+                    <a:solidFill>
+                      <a:schemeClr val="accent2">
+                        <a:lumMod val="20000"/>
+                        <a:lumOff val="80000"/>
+                      </a:schemeClr>
+                    </a:solidFill>
+                  </a:tcPr>
+                </a:tc>
+                <a:tc>
+                  <a:txBody>
+                    <a:bodyPr/>
+                    <a:lstStyle/>
+                    <a:p>
+                      <a:pPr algn="ctr"/>
+                      <a:r>
+                        <a:rPr lang="en-CA" dirty="0"/>
+                        <a:t>0</a:t>
+                      </a:r>
+                      <a:endParaRPr lang="en-US" dirty="0"/>
+                    </a:p>
+                  </a:txBody>
+                  <a:tcPr anchor="ctr">
+                    <a:lnL w="12700" cap="flat" cmpd="sng" algn="ctr">
+                      <a:solidFill>
+                        <a:schemeClr val="tx1"/>
+                      </a:solidFill>
+                      <a:prstDash val="solid"/>
+                      <a:round/>
+                      <a:headEnd type="none" w="med" len="med"/>
+                      <a:tailEnd type="none" w="med" len="med"/>
+                    </a:lnL>
+                    <a:lnR w="12700" cap="flat" cmpd="sng" algn="ctr">
+                      <a:solidFill>
+                        <a:schemeClr val="tx1"/>
+                      </a:solidFill>
+                      <a:prstDash val="solid"/>
+                      <a:round/>
+                      <a:headEnd type="none" w="med" len="med"/>
+                      <a:tailEnd type="none" w="med" len="med"/>
+                    </a:lnR>
+                    <a:lnT w="12700" cap="flat" cmpd="sng" algn="ctr">
+                      <a:solidFill>
+                        <a:schemeClr val="tx1"/>
+                      </a:solidFill>
+                      <a:prstDash val="solid"/>
+                      <a:round/>
+                      <a:headEnd type="none" w="med" len="med"/>
+                      <a:tailEnd type="none" w="med" len="med"/>
+                    </a:lnT>
+                    <a:lnB w="12700" cap="flat" cmpd="sng" algn="ctr">
+                      <a:solidFill>
+                        <a:schemeClr val="tx1"/>
+                      </a:solidFill>
+                      <a:prstDash val="solid"/>
+                      <a:round/>
+                      <a:headEnd type="none" w="med" len="med"/>
+                      <a:tailEnd type="none" w="med" len="med"/>
+                    </a:lnB>
+                    <a:lnTlToBr w="12700" cmpd="sng">
+                      <a:noFill/>
+                      <a:prstDash val="solid"/>
+                    </a:lnTlToBr>
+                    <a:lnBlToTr w="12700" cmpd="sng">
+                      <a:noFill/>
+                      <a:prstDash val="solid"/>
+                    </a:lnBlToTr>
+                    <a:solidFill>
+                      <a:schemeClr val="accent2">
+                        <a:lumMod val="20000"/>
+                        <a:lumOff val="80000"/>
+                      </a:schemeClr>
+                    </a:solidFill>
+                  </a:tcPr>
+                </a:tc>
+                <a:tc>
+                  <a:txBody>
+                    <a:bodyPr/>
+                    <a:lstStyle/>
+                    <a:p>
+                      <a:pPr algn="ctr"/>
+                      <a:r>
+                        <a:rPr lang="en-CA" dirty="0"/>
+                        <a:t>0</a:t>
+                      </a:r>
+                      <a:endParaRPr lang="en-US" dirty="0"/>
+                    </a:p>
+                  </a:txBody>
+                  <a:tcPr anchor="ctr">
+                    <a:lnL w="12700" cap="flat" cmpd="sng" algn="ctr">
+                      <a:solidFill>
+                        <a:schemeClr val="tx1"/>
+                      </a:solidFill>
+                      <a:prstDash val="solid"/>
+                      <a:round/>
+                      <a:headEnd type="none" w="med" len="med"/>
+                      <a:tailEnd type="none" w="med" len="med"/>
+                    </a:lnL>
+                    <a:lnR w="12700" cap="flat" cmpd="sng" algn="ctr">
+                      <a:solidFill>
+                        <a:schemeClr val="tx1"/>
+                      </a:solidFill>
+                      <a:prstDash val="solid"/>
+                      <a:round/>
+                      <a:headEnd type="none" w="med" len="med"/>
+                      <a:tailEnd type="none" w="med" len="med"/>
+                    </a:lnR>
+                    <a:lnT w="12700" cap="flat" cmpd="sng" algn="ctr">
+                      <a:solidFill>
+                        <a:schemeClr val="tx1"/>
+                      </a:solidFill>
+                      <a:prstDash val="solid"/>
+                      <a:round/>
+                      <a:headEnd type="none" w="med" len="med"/>
+                      <a:tailEnd type="none" w="med" len="med"/>
+                    </a:lnT>
+                    <a:lnB w="12700" cap="flat" cmpd="sng" algn="ctr">
+                      <a:solidFill>
+                        <a:schemeClr val="tx1"/>
+                      </a:solidFill>
+                      <a:prstDash val="solid"/>
+                      <a:round/>
+                      <a:headEnd type="none" w="med" len="med"/>
+                      <a:tailEnd type="none" w="med" len="med"/>
+                    </a:lnB>
+                    <a:lnTlToBr w="12700" cmpd="sng">
+                      <a:noFill/>
+                      <a:prstDash val="solid"/>
+                    </a:lnTlToBr>
+                    <a:lnBlToTr w="12700" cmpd="sng">
+                      <a:noFill/>
+                      <a:prstDash val="solid"/>
+                    </a:lnBlToTr>
+                    <a:solidFill>
+                      <a:schemeClr val="accent2">
+                        <a:lumMod val="20000"/>
+                        <a:lumOff val="80000"/>
+                      </a:schemeClr>
+                    </a:solidFill>
+                  </a:tcPr>
+                </a:tc>
+                <a:tc>
+                  <a:txBody>
+                    <a:bodyPr/>
+                    <a:lstStyle/>
+                    <a:p>
+                      <a:pPr algn="ctr"/>
+                      <a:r>
+                        <a:rPr lang="en-US" dirty="0"/>
+                        <a:t>0</a:t>
+                      </a:r>
+                    </a:p>
+                  </a:txBody>
+                  <a:tcPr anchor="ctr">
+                    <a:lnL w="12700" cap="flat" cmpd="sng" algn="ctr">
+                      <a:solidFill>
+                        <a:schemeClr val="tx1"/>
+                      </a:solidFill>
+                      <a:prstDash val="solid"/>
+                      <a:round/>
+                      <a:headEnd type="none" w="med" len="med"/>
+                      <a:tailEnd type="none" w="med" len="med"/>
+                    </a:lnL>
+                    <a:lnR w="12700" cap="flat" cmpd="sng" algn="ctr">
+                      <a:solidFill>
+                        <a:schemeClr val="tx1"/>
+                      </a:solidFill>
+                      <a:prstDash val="solid"/>
+                      <a:round/>
+                      <a:headEnd type="none" w="med" len="med"/>
+                      <a:tailEnd type="none" w="med" len="med"/>
+                    </a:lnR>
+                    <a:lnT w="12700" cap="flat" cmpd="sng" algn="ctr">
+                      <a:solidFill>
+                        <a:schemeClr val="tx1"/>
+                      </a:solidFill>
+                      <a:prstDash val="solid"/>
+                      <a:round/>
+                      <a:headEnd type="none" w="med" len="med"/>
+                      <a:tailEnd type="none" w="med" len="med"/>
+                    </a:lnT>
+                    <a:lnB w="12700" cap="flat" cmpd="sng" algn="ctr">
+                      <a:solidFill>
+                        <a:schemeClr val="tx1"/>
+                      </a:solidFill>
+                      <a:prstDash val="solid"/>
+                      <a:round/>
+                      <a:headEnd type="none" w="med" len="med"/>
+                      <a:tailEnd type="none" w="med" len="med"/>
+                    </a:lnB>
+                    <a:lnTlToBr w="12700" cmpd="sng">
+                      <a:noFill/>
+                      <a:prstDash val="solid"/>
+                    </a:lnTlToBr>
+                    <a:lnBlToTr w="12700" cmpd="sng">
+                      <a:noFill/>
+                      <a:prstDash val="solid"/>
+                    </a:lnBlToTr>
+                    <a:solidFill>
+                      <a:schemeClr val="accent6">
+                        <a:lumMod val="20000"/>
+                        <a:lumOff val="80000"/>
+                      </a:schemeClr>
+                    </a:solidFill>
+                  </a:tcPr>
+                </a:tc>
+                <a:tc>
+                  <a:txBody>
+                    <a:bodyPr/>
+                    <a:lstStyle/>
+                    <a:p>
+                      <a:pPr algn="ctr"/>
+                      <a:r>
+                        <a:rPr lang="en-US" dirty="0"/>
+                        <a:t>0</a:t>
+                      </a:r>
+                    </a:p>
+                  </a:txBody>
+                  <a:tcPr anchor="ctr">
+                    <a:lnL w="12700" cap="flat" cmpd="sng" algn="ctr">
+                      <a:solidFill>
+                        <a:schemeClr val="tx1"/>
+                      </a:solidFill>
+                      <a:prstDash val="solid"/>
+                      <a:round/>
+                      <a:headEnd type="none" w="med" len="med"/>
+                      <a:tailEnd type="none" w="med" len="med"/>
+                    </a:lnL>
+                    <a:lnR w="12700" cap="flat" cmpd="sng" algn="ctr">
+                      <a:solidFill>
+                        <a:schemeClr val="tx1"/>
+                      </a:solidFill>
+                      <a:prstDash val="solid"/>
+                      <a:round/>
+                      <a:headEnd type="none" w="med" len="med"/>
+                      <a:tailEnd type="none" w="med" len="med"/>
+                    </a:lnR>
+                    <a:lnT w="12700" cap="flat" cmpd="sng" algn="ctr">
+                      <a:solidFill>
+                        <a:schemeClr val="tx1"/>
+                      </a:solidFill>
+                      <a:prstDash val="solid"/>
+                      <a:round/>
+                      <a:headEnd type="none" w="med" len="med"/>
+                      <a:tailEnd type="none" w="med" len="med"/>
+                    </a:lnT>
+                    <a:lnB w="12700" cap="flat" cmpd="sng" algn="ctr">
+                      <a:solidFill>
+                        <a:schemeClr val="tx1"/>
+                      </a:solidFill>
+                      <a:prstDash val="solid"/>
+                      <a:round/>
+                      <a:headEnd type="none" w="med" len="med"/>
+                      <a:tailEnd type="none" w="med" len="med"/>
+                    </a:lnB>
+                    <a:lnTlToBr w="12700" cmpd="sng">
+                      <a:noFill/>
+                      <a:prstDash val="solid"/>
+                    </a:lnTlToBr>
+                    <a:lnBlToTr w="12700" cmpd="sng">
+                      <a:noFill/>
+                      <a:prstDash val="solid"/>
+                    </a:lnBlToTr>
+                    <a:solidFill>
+                      <a:schemeClr val="accent6">
+                        <a:lumMod val="20000"/>
+                        <a:lumOff val="80000"/>
+                      </a:schemeClr>
+                    </a:solidFill>
+                  </a:tcPr>
+                </a:tc>
+                <a:extLst>
+                  <a:ext uri="{0D108BD9-81ED-4DB2-BD59-A6C34878D82A}">
+                    <a16:rowId xmlns:a16="http://schemas.microsoft.com/office/drawing/2014/main" val="2911647782"/>
+                  </a:ext>
+                </a:extLst>
+              </a:tr>
+              <a:tr h="451556">
+                <a:tc>
+                  <a:txBody>
+                    <a:bodyPr/>
+                    <a:lstStyle/>
+                    <a:p>
+                      <a:pPr algn="ctr"/>
+                      <a:r>
+                        <a:rPr lang="en-US" dirty="0"/>
+                        <a:t>5</a:t>
+                      </a:r>
+                    </a:p>
+                  </a:txBody>
+                  <a:tcPr anchor="ctr">
+                    <a:lnL w="12700" cmpd="sng">
+                      <a:noFill/>
+                    </a:lnL>
+                    <a:lnR w="12700" cap="flat" cmpd="sng" algn="ctr">
+                      <a:solidFill>
+                        <a:schemeClr val="tx1"/>
+                      </a:solidFill>
+                      <a:prstDash val="solid"/>
+                      <a:round/>
+                      <a:headEnd type="none" w="med" len="med"/>
+                      <a:tailEnd type="none" w="med" len="med"/>
+                    </a:lnR>
+                    <a:lnT w="12700" cap="flat" cmpd="sng" algn="ctr">
+                      <a:noFill/>
+                      <a:prstDash val="solid"/>
+                      <a:round/>
+                      <a:headEnd type="none" w="med" len="med"/>
+                      <a:tailEnd type="none" w="med" len="med"/>
+                    </a:lnT>
+                    <a:lnB w="12700" cap="flat" cmpd="sng" algn="ctr">
+                      <a:noFill/>
+                      <a:prstDash val="solid"/>
+                      <a:round/>
+                      <a:headEnd type="none" w="med" len="med"/>
+                      <a:tailEnd type="none" w="med" len="med"/>
+                    </a:lnB>
+                    <a:lnTlToBr w="12700" cmpd="sng">
+                      <a:noFill/>
+                      <a:prstDash val="solid"/>
+                    </a:lnTlToBr>
+                    <a:lnBlToTr w="12700" cmpd="sng">
+                      <a:noFill/>
+                      <a:prstDash val="solid"/>
+                    </a:lnBlToTr>
+                    <a:solidFill>
+                      <a:schemeClr val="bg1"/>
+                    </a:solidFill>
+                  </a:tcPr>
+                </a:tc>
+                <a:tc>
+                  <a:txBody>
+                    <a:bodyPr/>
+                    <a:lstStyle/>
+                    <a:p>
+                      <a:pPr algn="ctr"/>
+                      <a:r>
+                        <a:rPr lang="en-US" dirty="0"/>
+                        <a:t>0</a:t>
+                      </a:r>
+                    </a:p>
+                  </a:txBody>
+                  <a:tcPr anchor="ctr">
+                    <a:lnL w="12700" cap="flat" cmpd="sng" algn="ctr">
+                      <a:solidFill>
+                        <a:schemeClr val="tx1"/>
+                      </a:solidFill>
+                      <a:prstDash val="solid"/>
+                      <a:round/>
+                      <a:headEnd type="none" w="med" len="med"/>
+                      <a:tailEnd type="none" w="med" len="med"/>
+                    </a:lnL>
+                    <a:lnR w="12700" cap="flat" cmpd="sng" algn="ctr">
+                      <a:solidFill>
+                        <a:schemeClr val="tx1"/>
+                      </a:solidFill>
+                      <a:prstDash val="solid"/>
+                      <a:round/>
+                      <a:headEnd type="none" w="med" len="med"/>
+                      <a:tailEnd type="none" w="med" len="med"/>
+                    </a:lnR>
+                    <a:lnT w="12700" cap="flat" cmpd="sng" algn="ctr">
+                      <a:solidFill>
+                        <a:schemeClr val="tx1"/>
+                      </a:solidFill>
+                      <a:prstDash val="solid"/>
+                      <a:round/>
+                      <a:headEnd type="none" w="med" len="med"/>
+                      <a:tailEnd type="none" w="med" len="med"/>
+                    </a:lnT>
+                    <a:lnB w="12700" cap="flat" cmpd="sng" algn="ctr">
+                      <a:solidFill>
+                        <a:schemeClr val="tx1"/>
+                      </a:solidFill>
+                      <a:prstDash val="solid"/>
+                      <a:round/>
+                      <a:headEnd type="none" w="med" len="med"/>
+                      <a:tailEnd type="none" w="med" len="med"/>
+                    </a:lnB>
+                    <a:lnTlToBr w="12700" cmpd="sng">
+                      <a:noFill/>
+                      <a:prstDash val="solid"/>
+                    </a:lnTlToBr>
+                    <a:lnBlToTr w="12700" cmpd="sng">
+                      <a:noFill/>
+                      <a:prstDash val="solid"/>
+                    </a:lnBlToTr>
+                    <a:solidFill>
+                      <a:schemeClr val="accent2">
+                        <a:lumMod val="20000"/>
+                        <a:lumOff val="80000"/>
+                      </a:schemeClr>
+                    </a:solidFill>
+                  </a:tcPr>
+                </a:tc>
+                <a:tc>
+                  <a:txBody>
+                    <a:bodyPr/>
+                    <a:lstStyle/>
+                    <a:p>
+                      <a:pPr algn="ctr"/>
+                      <a:r>
+                        <a:rPr lang="en-CA" dirty="0"/>
+                        <a:t>0</a:t>
+                      </a:r>
+                      <a:endParaRPr lang="en-US" dirty="0"/>
+                    </a:p>
+                  </a:txBody>
+                  <a:tcPr anchor="ctr">
+                    <a:lnL w="12700" cap="flat" cmpd="sng" algn="ctr">
+                      <a:solidFill>
+                        <a:schemeClr val="tx1"/>
+                      </a:solidFill>
+                      <a:prstDash val="solid"/>
+                      <a:round/>
+                      <a:headEnd type="none" w="med" len="med"/>
+                      <a:tailEnd type="none" w="med" len="med"/>
+                    </a:lnL>
+                    <a:lnR w="12700" cap="flat" cmpd="sng" algn="ctr">
+                      <a:solidFill>
+                        <a:schemeClr val="tx1"/>
+                      </a:solidFill>
+                      <a:prstDash val="solid"/>
+                      <a:round/>
+                      <a:headEnd type="none" w="med" len="med"/>
+                      <a:tailEnd type="none" w="med" len="med"/>
+                    </a:lnR>
+                    <a:lnT w="12700" cap="flat" cmpd="sng" algn="ctr">
+                      <a:solidFill>
+                        <a:schemeClr val="tx1"/>
+                      </a:solidFill>
+                      <a:prstDash val="solid"/>
+                      <a:round/>
+                      <a:headEnd type="none" w="med" len="med"/>
+                      <a:tailEnd type="none" w="med" len="med"/>
+                    </a:lnT>
+                    <a:lnB w="12700" cap="flat" cmpd="sng" algn="ctr">
+                      <a:solidFill>
+                        <a:schemeClr val="tx1"/>
+                      </a:solidFill>
+                      <a:prstDash val="solid"/>
+                      <a:round/>
+                      <a:headEnd type="none" w="med" len="med"/>
+                      <a:tailEnd type="none" w="med" len="med"/>
+                    </a:lnB>
+                    <a:lnTlToBr w="12700" cmpd="sng">
+                      <a:noFill/>
+                      <a:prstDash val="solid"/>
+                    </a:lnTlToBr>
+                    <a:lnBlToTr w="12700" cmpd="sng">
+                      <a:noFill/>
+                      <a:prstDash val="solid"/>
+                    </a:lnBlToTr>
+                    <a:solidFill>
+                      <a:schemeClr val="accent2">
+                        <a:lumMod val="20000"/>
+                        <a:lumOff val="80000"/>
+                      </a:schemeClr>
+                    </a:solidFill>
+                  </a:tcPr>
+                </a:tc>
+                <a:tc>
+                  <a:txBody>
+                    <a:bodyPr/>
+                    <a:lstStyle/>
+                    <a:p>
+                      <a:pPr algn="ctr"/>
+                      <a:r>
+                        <a:rPr lang="en-CA" dirty="0"/>
+                        <a:t>0</a:t>
+                      </a:r>
+                      <a:endParaRPr lang="en-US" dirty="0"/>
+                    </a:p>
+                  </a:txBody>
+                  <a:tcPr anchor="ctr">
+                    <a:lnL w="12700" cap="flat" cmpd="sng" algn="ctr">
+                      <a:solidFill>
+                        <a:schemeClr val="tx1"/>
+                      </a:solidFill>
+                      <a:prstDash val="solid"/>
+                      <a:round/>
+                      <a:headEnd type="none" w="med" len="med"/>
+                      <a:tailEnd type="none" w="med" len="med"/>
+                    </a:lnL>
+                    <a:lnR w="12700" cap="flat" cmpd="sng" algn="ctr">
+                      <a:solidFill>
+                        <a:schemeClr val="tx1"/>
+                      </a:solidFill>
+                      <a:prstDash val="solid"/>
+                      <a:round/>
+                      <a:headEnd type="none" w="med" len="med"/>
+                      <a:tailEnd type="none" w="med" len="med"/>
+                    </a:lnR>
+                    <a:lnT w="12700" cap="flat" cmpd="sng" algn="ctr">
+                      <a:solidFill>
+                        <a:schemeClr val="tx1"/>
+                      </a:solidFill>
+                      <a:prstDash val="solid"/>
+                      <a:round/>
+                      <a:headEnd type="none" w="med" len="med"/>
+                      <a:tailEnd type="none" w="med" len="med"/>
+                    </a:lnT>
+                    <a:lnB w="12700" cap="flat" cmpd="sng" algn="ctr">
+                      <a:solidFill>
+                        <a:schemeClr val="tx1"/>
+                      </a:solidFill>
+                      <a:prstDash val="solid"/>
+                      <a:round/>
+                      <a:headEnd type="none" w="med" len="med"/>
+                      <a:tailEnd type="none" w="med" len="med"/>
+                    </a:lnB>
+                    <a:lnTlToBr w="12700" cmpd="sng">
+                      <a:noFill/>
+                      <a:prstDash val="solid"/>
+                    </a:lnTlToBr>
+                    <a:lnBlToTr w="12700" cmpd="sng">
+                      <a:noFill/>
+                      <a:prstDash val="solid"/>
+                    </a:lnBlToTr>
+                    <a:solidFill>
+                      <a:schemeClr val="accent2">
+                        <a:lumMod val="20000"/>
+                        <a:lumOff val="80000"/>
+                      </a:schemeClr>
+                    </a:solidFill>
+                  </a:tcPr>
+                </a:tc>
+                <a:tc>
+                  <a:txBody>
+                    <a:bodyPr/>
+                    <a:lstStyle/>
+                    <a:p>
+                      <a:pPr algn="ctr"/>
+                      <a:r>
+                        <a:rPr lang="en-CA" dirty="0"/>
+                        <a:t>1</a:t>
+                      </a:r>
+                      <a:endParaRPr lang="en-US" dirty="0"/>
+                    </a:p>
+                  </a:txBody>
+                  <a:tcPr anchor="ctr">
+                    <a:lnL w="12700" cap="flat" cmpd="sng" algn="ctr">
+                      <a:solidFill>
+                        <a:schemeClr val="tx1"/>
+                      </a:solidFill>
+                      <a:prstDash val="solid"/>
+                      <a:round/>
+                      <a:headEnd type="none" w="med" len="med"/>
+                      <a:tailEnd type="none" w="med" len="med"/>
+                    </a:lnL>
+                    <a:lnR w="12700" cap="flat" cmpd="sng" algn="ctr">
+                      <a:solidFill>
+                        <a:schemeClr val="tx1"/>
+                      </a:solidFill>
+                      <a:prstDash val="solid"/>
+                      <a:round/>
+                      <a:headEnd type="none" w="med" len="med"/>
+                      <a:tailEnd type="none" w="med" len="med"/>
+                    </a:lnR>
+                    <a:lnT w="12700" cap="flat" cmpd="sng" algn="ctr">
+                      <a:solidFill>
+                        <a:schemeClr val="tx1"/>
+                      </a:solidFill>
+                      <a:prstDash val="solid"/>
+                      <a:round/>
+                      <a:headEnd type="none" w="med" len="med"/>
+                      <a:tailEnd type="none" w="med" len="med"/>
+                    </a:lnT>
+                    <a:lnB w="12700" cap="flat" cmpd="sng" algn="ctr">
+                      <a:solidFill>
+                        <a:schemeClr val="tx1"/>
+                      </a:solidFill>
+                      <a:prstDash val="solid"/>
+                      <a:round/>
+                      <a:headEnd type="none" w="med" len="med"/>
+                      <a:tailEnd type="none" w="med" len="med"/>
+                    </a:lnB>
+                    <a:lnTlToBr w="12700" cmpd="sng">
+                      <a:noFill/>
+                      <a:prstDash val="solid"/>
+                    </a:lnTlToBr>
+                    <a:lnBlToTr w="12700" cmpd="sng">
+                      <a:noFill/>
+                      <a:prstDash val="solid"/>
+                    </a:lnBlToTr>
+                    <a:solidFill>
+                      <a:schemeClr val="accent6">
+                        <a:lumMod val="20000"/>
+                        <a:lumOff val="80000"/>
+                      </a:schemeClr>
+                    </a:solidFill>
+                  </a:tcPr>
+                </a:tc>
+                <a:tc>
+                  <a:txBody>
+                    <a:bodyPr/>
+                    <a:lstStyle/>
+                    <a:p>
+                      <a:pPr algn="ctr"/>
+                      <a:r>
+                        <a:rPr lang="en-CA" dirty="0"/>
+                        <a:t>0</a:t>
+                      </a:r>
+                      <a:endParaRPr lang="en-US" dirty="0"/>
+                    </a:p>
+                  </a:txBody>
+                  <a:tcPr anchor="ctr">
+                    <a:lnL w="12700" cap="flat" cmpd="sng" algn="ctr">
+                      <a:solidFill>
+                        <a:schemeClr val="tx1"/>
+                      </a:solidFill>
+                      <a:prstDash val="solid"/>
+                      <a:round/>
+                      <a:headEnd type="none" w="med" len="med"/>
+                      <a:tailEnd type="none" w="med" len="med"/>
+                    </a:lnL>
+                    <a:lnR w="12700" cap="flat" cmpd="sng" algn="ctr">
+                      <a:solidFill>
+                        <a:schemeClr val="tx1"/>
+                      </a:solidFill>
+                      <a:prstDash val="solid"/>
+                      <a:round/>
+                      <a:headEnd type="none" w="med" len="med"/>
+                      <a:tailEnd type="none" w="med" len="med"/>
+                    </a:lnR>
+                    <a:lnT w="12700" cap="flat" cmpd="sng" algn="ctr">
+                      <a:solidFill>
+                        <a:schemeClr val="tx1"/>
+                      </a:solidFill>
+                      <a:prstDash val="solid"/>
+                      <a:round/>
+                      <a:headEnd type="none" w="med" len="med"/>
+                      <a:tailEnd type="none" w="med" len="med"/>
+                    </a:lnT>
+                    <a:lnB w="12700" cap="flat" cmpd="sng" algn="ctr">
+                      <a:solidFill>
+                        <a:schemeClr val="tx1"/>
+                      </a:solidFill>
+                      <a:prstDash val="solid"/>
+                      <a:round/>
+                      <a:headEnd type="none" w="med" len="med"/>
+                      <a:tailEnd type="none" w="med" len="med"/>
+                    </a:lnB>
+                    <a:lnTlToBr w="12700" cmpd="sng">
+                      <a:noFill/>
+                      <a:prstDash val="solid"/>
+                    </a:lnTlToBr>
+                    <a:lnBlToTr w="12700" cmpd="sng">
+                      <a:noFill/>
+                      <a:prstDash val="solid"/>
+                    </a:lnBlToTr>
+                    <a:solidFill>
+                      <a:schemeClr val="accent6">
+                        <a:lumMod val="20000"/>
+                        <a:lumOff val="80000"/>
+                      </a:schemeClr>
+                    </a:solidFill>
+                  </a:tcPr>
+                </a:tc>
+                <a:extLst>
+                  <a:ext uri="{0D108BD9-81ED-4DB2-BD59-A6C34878D82A}">
+                    <a16:rowId xmlns:a16="http://schemas.microsoft.com/office/drawing/2014/main" val="3742315519"/>
+                  </a:ext>
+                </a:extLst>
+              </a:tr>
+              <a:tr h="451556">
+                <a:tc>
+                  <a:txBody>
+                    <a:bodyPr/>
+                    <a:lstStyle/>
+                    <a:p>
+                      <a:pPr algn="ctr"/>
+                      <a:r>
+                        <a:rPr lang="en-US" dirty="0"/>
+                        <a:t>2</a:t>
+                      </a:r>
+                    </a:p>
+                  </a:txBody>
+                  <a:tcPr anchor="ctr">
+                    <a:lnL w="12700" cmpd="sng">
+                      <a:noFill/>
+                    </a:lnL>
+                    <a:lnR w="12700" cap="flat" cmpd="sng" algn="ctr">
+                      <a:solidFill>
+                        <a:schemeClr val="tx1"/>
+                      </a:solidFill>
+                      <a:prstDash val="solid"/>
+                      <a:round/>
+                      <a:headEnd type="none" w="med" len="med"/>
+                      <a:tailEnd type="none" w="med" len="med"/>
+                    </a:lnR>
+                    <a:lnT w="12700" cap="flat" cmpd="sng" algn="ctr">
+                      <a:noFill/>
+                      <a:prstDash val="solid"/>
+                      <a:round/>
+                      <a:headEnd type="none" w="med" len="med"/>
+                      <a:tailEnd type="none" w="med" len="med"/>
+                    </a:lnT>
+                    <a:lnB w="12700" cap="flat" cmpd="sng" algn="ctr">
+                      <a:noFill/>
+                      <a:prstDash val="solid"/>
+                      <a:round/>
+                      <a:headEnd type="none" w="med" len="med"/>
+                      <a:tailEnd type="none" w="med" len="med"/>
+                    </a:lnB>
+                    <a:lnTlToBr w="12700" cmpd="sng">
+                      <a:noFill/>
+                      <a:prstDash val="solid"/>
+                    </a:lnTlToBr>
+                    <a:lnBlToTr w="12700" cmpd="sng">
+                      <a:noFill/>
+                      <a:prstDash val="solid"/>
+                    </a:lnBlToTr>
+                    <a:solidFill>
+                      <a:schemeClr val="bg1"/>
+                    </a:solidFill>
+                  </a:tcPr>
+                </a:tc>
+                <a:tc>
+                  <a:txBody>
+                    <a:bodyPr/>
+                    <a:lstStyle/>
+                    <a:p>
+                      <a:pPr algn="ctr"/>
+                      <a:r>
+                        <a:rPr lang="en-CA" dirty="0"/>
+                        <a:t>1</a:t>
+                      </a:r>
+                      <a:endParaRPr lang="en-US" dirty="0"/>
+                    </a:p>
+                  </a:txBody>
+                  <a:tcPr anchor="ctr">
+                    <a:lnL w="12700" cap="flat" cmpd="sng" algn="ctr">
+                      <a:solidFill>
+                        <a:schemeClr val="tx1"/>
+                      </a:solidFill>
+                      <a:prstDash val="solid"/>
+                      <a:round/>
+                      <a:headEnd type="none" w="med" len="med"/>
+                      <a:tailEnd type="none" w="med" len="med"/>
+                    </a:lnL>
+                    <a:lnR w="12700" cap="flat" cmpd="sng" algn="ctr">
+                      <a:solidFill>
+                        <a:schemeClr val="tx1"/>
+                      </a:solidFill>
+                      <a:prstDash val="solid"/>
+                      <a:round/>
+                      <a:headEnd type="none" w="med" len="med"/>
+                      <a:tailEnd type="none" w="med" len="med"/>
+                    </a:lnR>
+                    <a:lnT w="12700" cap="flat" cmpd="sng" algn="ctr">
+                      <a:solidFill>
+                        <a:schemeClr val="tx1"/>
+                      </a:solidFill>
+                      <a:prstDash val="solid"/>
+                      <a:round/>
+                      <a:headEnd type="none" w="med" len="med"/>
+                      <a:tailEnd type="none" w="med" len="med"/>
+                    </a:lnT>
+                    <a:lnB w="12700" cap="flat" cmpd="sng" algn="ctr">
+                      <a:solidFill>
+                        <a:schemeClr val="tx1"/>
+                      </a:solidFill>
+                      <a:prstDash val="solid"/>
+                      <a:round/>
+                      <a:headEnd type="none" w="med" len="med"/>
+                      <a:tailEnd type="none" w="med" len="med"/>
+                    </a:lnB>
+                    <a:lnTlToBr w="12700" cmpd="sng">
+                      <a:noFill/>
+                      <a:prstDash val="solid"/>
+                    </a:lnTlToBr>
+                    <a:lnBlToTr w="12700" cmpd="sng">
+                      <a:noFill/>
+                      <a:prstDash val="solid"/>
+                    </a:lnBlToTr>
+                    <a:solidFill>
+                      <a:schemeClr val="accent6">
+                        <a:lumMod val="20000"/>
+                        <a:lumOff val="80000"/>
+                      </a:schemeClr>
+                    </a:solidFill>
+                  </a:tcPr>
+                </a:tc>
+                <a:tc>
+                  <a:txBody>
+                    <a:bodyPr/>
+                    <a:lstStyle/>
+                    <a:p>
+                      <a:pPr algn="ctr"/>
+                      <a:r>
+                        <a:rPr lang="en-US" dirty="0"/>
+                        <a:t>0</a:t>
+                      </a:r>
+                    </a:p>
+                  </a:txBody>
+                  <a:tcPr anchor="ctr">
+                    <a:lnL w="12700" cap="flat" cmpd="sng" algn="ctr">
+                      <a:solidFill>
+                        <a:schemeClr val="tx1"/>
+                      </a:solidFill>
+                      <a:prstDash val="solid"/>
+                      <a:round/>
+                      <a:headEnd type="none" w="med" len="med"/>
+                      <a:tailEnd type="none" w="med" len="med"/>
+                    </a:lnL>
+                    <a:lnR w="12700" cap="flat" cmpd="sng" algn="ctr">
+                      <a:solidFill>
+                        <a:schemeClr val="tx1"/>
+                      </a:solidFill>
+                      <a:prstDash val="solid"/>
+                      <a:round/>
+                      <a:headEnd type="none" w="med" len="med"/>
+                      <a:tailEnd type="none" w="med" len="med"/>
+                    </a:lnR>
+                    <a:lnT w="12700" cap="flat" cmpd="sng" algn="ctr">
+                      <a:solidFill>
+                        <a:schemeClr val="tx1"/>
+                      </a:solidFill>
+                      <a:prstDash val="solid"/>
+                      <a:round/>
+                      <a:headEnd type="none" w="med" len="med"/>
+                      <a:tailEnd type="none" w="med" len="med"/>
+                    </a:lnT>
+                    <a:lnB w="12700" cap="flat" cmpd="sng" algn="ctr">
+                      <a:solidFill>
+                        <a:schemeClr val="tx1"/>
+                      </a:solidFill>
+                      <a:prstDash val="solid"/>
+                      <a:round/>
+                      <a:headEnd type="none" w="med" len="med"/>
+                      <a:tailEnd type="none" w="med" len="med"/>
+                    </a:lnB>
+                    <a:lnTlToBr w="12700" cmpd="sng">
+                      <a:noFill/>
+                      <a:prstDash val="solid"/>
+                    </a:lnTlToBr>
+                    <a:lnBlToTr w="12700" cmpd="sng">
+                      <a:noFill/>
+                      <a:prstDash val="solid"/>
+                    </a:lnBlToTr>
+                    <a:solidFill>
+                      <a:schemeClr val="accent6">
+                        <a:lumMod val="20000"/>
+                        <a:lumOff val="80000"/>
+                      </a:schemeClr>
+                    </a:solidFill>
+                  </a:tcPr>
+                </a:tc>
+                <a:tc>
+                  <a:txBody>
+                    <a:bodyPr/>
+                    <a:lstStyle/>
+                    <a:p>
+                      <a:pPr algn="ctr"/>
+                      <a:r>
+                        <a:rPr lang="en-CA" dirty="0"/>
+                        <a:t>1</a:t>
+                      </a:r>
+                      <a:endParaRPr lang="en-US" dirty="0"/>
+                    </a:p>
+                  </a:txBody>
+                  <a:tcPr anchor="ctr">
+                    <a:lnL w="12700" cap="flat" cmpd="sng" algn="ctr">
+                      <a:solidFill>
+                        <a:schemeClr val="tx1"/>
+                      </a:solidFill>
+                      <a:prstDash val="solid"/>
+                      <a:round/>
+                      <a:headEnd type="none" w="med" len="med"/>
+                      <a:tailEnd type="none" w="med" len="med"/>
+                    </a:lnL>
+                    <a:lnR w="12700" cap="flat" cmpd="sng" algn="ctr">
+                      <a:solidFill>
+                        <a:schemeClr val="tx1"/>
+                      </a:solidFill>
+                      <a:prstDash val="solid"/>
+                      <a:round/>
+                      <a:headEnd type="none" w="med" len="med"/>
+                      <a:tailEnd type="none" w="med" len="med"/>
+                    </a:lnR>
+                    <a:lnT w="12700" cap="flat" cmpd="sng" algn="ctr">
+                      <a:solidFill>
+                        <a:schemeClr val="tx1"/>
+                      </a:solidFill>
+                      <a:prstDash val="solid"/>
+                      <a:round/>
+                      <a:headEnd type="none" w="med" len="med"/>
+                      <a:tailEnd type="none" w="med" len="med"/>
+                    </a:lnT>
+                    <a:lnB w="12700" cap="flat" cmpd="sng" algn="ctr">
+                      <a:solidFill>
+                        <a:schemeClr val="tx1"/>
+                      </a:solidFill>
+                      <a:prstDash val="solid"/>
+                      <a:round/>
+                      <a:headEnd type="none" w="med" len="med"/>
+                      <a:tailEnd type="none" w="med" len="med"/>
+                    </a:lnB>
+                    <a:lnTlToBr w="12700" cmpd="sng">
+                      <a:noFill/>
+                      <a:prstDash val="solid"/>
+                    </a:lnTlToBr>
+                    <a:lnBlToTr w="12700" cmpd="sng">
+                      <a:noFill/>
+                      <a:prstDash val="solid"/>
+                    </a:lnBlToTr>
+                    <a:solidFill>
+                      <a:schemeClr val="accent6">
+                        <a:lumMod val="20000"/>
+                        <a:lumOff val="80000"/>
+                      </a:schemeClr>
+                    </a:solidFill>
+                  </a:tcPr>
+                </a:tc>
+                <a:tc>
+                  <a:txBody>
+                    <a:bodyPr/>
+                    <a:lstStyle/>
+                    <a:p>
+                      <a:pPr algn="ctr"/>
+                      <a:r>
+                        <a:rPr lang="en-CA" dirty="0"/>
+                        <a:t>0</a:t>
+                      </a:r>
+                      <a:endParaRPr lang="en-US" dirty="0"/>
+                    </a:p>
+                  </a:txBody>
+                  <a:tcPr anchor="ctr">
+                    <a:lnL w="12700" cap="flat" cmpd="sng" algn="ctr">
+                      <a:solidFill>
+                        <a:schemeClr val="tx1"/>
+                      </a:solidFill>
+                      <a:prstDash val="solid"/>
+                      <a:round/>
+                      <a:headEnd type="none" w="med" len="med"/>
+                      <a:tailEnd type="none" w="med" len="med"/>
+                    </a:lnL>
+                    <a:lnR w="12700" cap="flat" cmpd="sng" algn="ctr">
+                      <a:solidFill>
+                        <a:schemeClr val="tx1"/>
+                      </a:solidFill>
+                      <a:prstDash val="solid"/>
+                      <a:round/>
+                      <a:headEnd type="none" w="med" len="med"/>
+                      <a:tailEnd type="none" w="med" len="med"/>
+                    </a:lnR>
+                    <a:lnT w="12700" cap="flat" cmpd="sng" algn="ctr">
+                      <a:solidFill>
+                        <a:schemeClr val="tx1"/>
+                      </a:solidFill>
+                      <a:prstDash val="solid"/>
+                      <a:round/>
+                      <a:headEnd type="none" w="med" len="med"/>
+                      <a:tailEnd type="none" w="med" len="med"/>
+                    </a:lnT>
+                    <a:lnB w="12700" cap="flat" cmpd="sng" algn="ctr">
+                      <a:solidFill>
+                        <a:schemeClr val="tx1"/>
+                      </a:solidFill>
+                      <a:prstDash val="solid"/>
+                      <a:round/>
+                      <a:headEnd type="none" w="med" len="med"/>
+                      <a:tailEnd type="none" w="med" len="med"/>
+                    </a:lnB>
+                    <a:lnTlToBr w="12700" cmpd="sng">
+                      <a:noFill/>
+                      <a:prstDash val="solid"/>
+                    </a:lnTlToBr>
+                    <a:lnBlToTr w="12700" cmpd="sng">
+                      <a:noFill/>
+                      <a:prstDash val="solid"/>
+                    </a:lnBlToTr>
+                    <a:solidFill>
+                      <a:schemeClr val="accent2">
+                        <a:lumMod val="20000"/>
+                        <a:lumOff val="80000"/>
+                      </a:schemeClr>
+                    </a:solidFill>
+                  </a:tcPr>
+                </a:tc>
+                <a:tc>
+                  <a:txBody>
+                    <a:bodyPr/>
+                    <a:lstStyle/>
+                    <a:p>
+                      <a:pPr algn="ctr"/>
+                      <a:r>
+                        <a:rPr lang="en-CA" dirty="0"/>
+                        <a:t>0</a:t>
+                      </a:r>
+                      <a:endParaRPr lang="en-US" dirty="0"/>
+                    </a:p>
+                  </a:txBody>
+                  <a:tcPr anchor="ctr">
+                    <a:lnL w="12700" cap="flat" cmpd="sng" algn="ctr">
+                      <a:solidFill>
+                        <a:schemeClr val="tx1"/>
+                      </a:solidFill>
+                      <a:prstDash val="solid"/>
+                      <a:round/>
+                      <a:headEnd type="none" w="med" len="med"/>
+                      <a:tailEnd type="none" w="med" len="med"/>
+                    </a:lnL>
+                    <a:lnR w="12700" cap="flat" cmpd="sng" algn="ctr">
+                      <a:solidFill>
+                        <a:schemeClr val="tx1"/>
+                      </a:solidFill>
+                      <a:prstDash val="solid"/>
+                      <a:round/>
+                      <a:headEnd type="none" w="med" len="med"/>
+                      <a:tailEnd type="none" w="med" len="med"/>
+                    </a:lnR>
+                    <a:lnT w="12700" cap="flat" cmpd="sng" algn="ctr">
+                      <a:solidFill>
+                        <a:schemeClr val="tx1"/>
+                      </a:solidFill>
+                      <a:prstDash val="solid"/>
+                      <a:round/>
+                      <a:headEnd type="none" w="med" len="med"/>
+                      <a:tailEnd type="none" w="med" len="med"/>
+                    </a:lnT>
+                    <a:lnB w="12700" cap="flat" cmpd="sng" algn="ctr">
+                      <a:solidFill>
+                        <a:schemeClr val="tx1"/>
+                      </a:solidFill>
+                      <a:prstDash val="solid"/>
+                      <a:round/>
+                      <a:headEnd type="none" w="med" len="med"/>
+                      <a:tailEnd type="none" w="med" len="med"/>
+                    </a:lnB>
+                    <a:lnTlToBr w="12700" cmpd="sng">
+                      <a:noFill/>
+                      <a:prstDash val="solid"/>
+                    </a:lnTlToBr>
+                    <a:lnBlToTr w="12700" cmpd="sng">
+                      <a:noFill/>
+                      <a:prstDash val="solid"/>
+                    </a:lnBlToTr>
+                    <a:solidFill>
+                      <a:schemeClr val="accent2">
+                        <a:lumMod val="20000"/>
+                        <a:lumOff val="80000"/>
+                      </a:schemeClr>
+                    </a:solidFill>
+                  </a:tcPr>
+                </a:tc>
+                <a:extLst>
+                  <a:ext uri="{0D108BD9-81ED-4DB2-BD59-A6C34878D82A}">
+                    <a16:rowId xmlns:a16="http://schemas.microsoft.com/office/drawing/2014/main" val="2133091476"/>
+                  </a:ext>
+                </a:extLst>
+              </a:tr>
+              <a:tr h="451556">
+                <a:tc>
+                  <a:txBody>
+                    <a:bodyPr/>
+                    <a:lstStyle/>
+                    <a:p>
+                      <a:pPr algn="ctr"/>
+                      <a:r>
+                        <a:rPr lang="en-US" dirty="0"/>
+                        <a:t>4</a:t>
+                      </a:r>
+                    </a:p>
+                  </a:txBody>
+                  <a:tcPr anchor="ctr">
+                    <a:lnL w="12700" cmpd="sng">
+                      <a:noFill/>
+                    </a:lnL>
+                    <a:lnR w="12700" cap="flat" cmpd="sng" algn="ctr">
+                      <a:solidFill>
+                        <a:schemeClr val="tx1"/>
+                      </a:solidFill>
+                      <a:prstDash val="solid"/>
+                      <a:round/>
+                      <a:headEnd type="none" w="med" len="med"/>
+                      <a:tailEnd type="none" w="med" len="med"/>
+                    </a:lnR>
+                    <a:lnT w="12700" cap="flat" cmpd="sng" algn="ctr">
+                      <a:noFill/>
+                      <a:prstDash val="solid"/>
+                      <a:round/>
+                      <a:headEnd type="none" w="med" len="med"/>
+                      <a:tailEnd type="none" w="med" len="med"/>
+                    </a:lnT>
+                    <a:lnB w="12700" cmpd="sng">
+                      <a:noFill/>
+                    </a:lnB>
+                    <a:lnTlToBr w="12700" cmpd="sng">
+                      <a:noFill/>
+                      <a:prstDash val="solid"/>
+                    </a:lnTlToBr>
+                    <a:lnBlToTr w="12700" cmpd="sng">
+                      <a:noFill/>
+                      <a:prstDash val="solid"/>
+                    </a:lnBlToTr>
+                    <a:solidFill>
+                      <a:schemeClr val="bg1"/>
+                    </a:solidFill>
+                  </a:tcPr>
+                </a:tc>
+                <a:tc>
+                  <a:txBody>
+                    <a:bodyPr/>
+                    <a:lstStyle/>
+                    <a:p>
+                      <a:pPr algn="ctr"/>
+                      <a:r>
+                        <a:rPr lang="en-US" dirty="0"/>
+                        <a:t>1</a:t>
+                      </a:r>
+                    </a:p>
+                  </a:txBody>
+                  <a:tcPr anchor="ctr">
+                    <a:lnL w="12700" cap="flat" cmpd="sng" algn="ctr">
+                      <a:solidFill>
+                        <a:schemeClr val="tx1"/>
+                      </a:solidFill>
+                      <a:prstDash val="solid"/>
+                      <a:round/>
+                      <a:headEnd type="none" w="med" len="med"/>
+                      <a:tailEnd type="none" w="med" len="med"/>
+                    </a:lnL>
+                    <a:lnR w="12700" cap="flat" cmpd="sng" algn="ctr">
+                      <a:solidFill>
+                        <a:schemeClr val="tx1"/>
+                      </a:solidFill>
+                      <a:prstDash val="solid"/>
+                      <a:round/>
+                      <a:headEnd type="none" w="med" len="med"/>
+                      <a:tailEnd type="none" w="med" len="med"/>
+                    </a:lnR>
+                    <a:lnT w="12700" cap="flat" cmpd="sng" algn="ctr">
+                      <a:solidFill>
+                        <a:schemeClr val="tx1"/>
+                      </a:solidFill>
+                      <a:prstDash val="solid"/>
+                      <a:round/>
+                      <a:headEnd type="none" w="med" len="med"/>
+                      <a:tailEnd type="none" w="med" len="med"/>
+                    </a:lnT>
+                    <a:lnB w="12700" cap="flat" cmpd="sng" algn="ctr">
+                      <a:solidFill>
+                        <a:schemeClr val="tx1"/>
+                      </a:solidFill>
+                      <a:prstDash val="solid"/>
+                      <a:round/>
+                      <a:headEnd type="none" w="med" len="med"/>
+                      <a:tailEnd type="none" w="med" len="med"/>
+                    </a:lnB>
+                    <a:lnTlToBr w="12700" cmpd="sng">
+                      <a:noFill/>
+                      <a:prstDash val="solid"/>
+                    </a:lnTlToBr>
+                    <a:lnBlToTr w="12700" cmpd="sng">
+                      <a:noFill/>
+                      <a:prstDash val="solid"/>
+                    </a:lnBlToTr>
+                    <a:solidFill>
+                      <a:schemeClr val="accent6">
+                        <a:lumMod val="20000"/>
+                        <a:lumOff val="80000"/>
+                      </a:schemeClr>
+                    </a:solidFill>
+                  </a:tcPr>
+                </a:tc>
+                <a:tc>
+                  <a:txBody>
+                    <a:bodyPr/>
+                    <a:lstStyle/>
+                    <a:p>
+                      <a:pPr algn="ctr"/>
+                      <a:r>
+                        <a:rPr lang="en-US" dirty="0"/>
+                        <a:t>0</a:t>
+                      </a:r>
+                    </a:p>
+                  </a:txBody>
+                  <a:tcPr anchor="ctr">
+                    <a:lnL w="12700" cap="flat" cmpd="sng" algn="ctr">
+                      <a:solidFill>
+                        <a:schemeClr val="tx1"/>
+                      </a:solidFill>
+                      <a:prstDash val="solid"/>
+                      <a:round/>
+                      <a:headEnd type="none" w="med" len="med"/>
+                      <a:tailEnd type="none" w="med" len="med"/>
+                    </a:lnL>
+                    <a:lnR w="12700" cap="flat" cmpd="sng" algn="ctr">
+                      <a:solidFill>
+                        <a:schemeClr val="tx1"/>
+                      </a:solidFill>
+                      <a:prstDash val="solid"/>
+                      <a:round/>
+                      <a:headEnd type="none" w="med" len="med"/>
+                      <a:tailEnd type="none" w="med" len="med"/>
+                    </a:lnR>
+                    <a:lnT w="12700" cap="flat" cmpd="sng" algn="ctr">
+                      <a:solidFill>
+                        <a:schemeClr val="tx1"/>
+                      </a:solidFill>
+                      <a:prstDash val="solid"/>
+                      <a:round/>
+                      <a:headEnd type="none" w="med" len="med"/>
+                      <a:tailEnd type="none" w="med" len="med"/>
+                    </a:lnT>
+                    <a:lnB w="12700" cap="flat" cmpd="sng" algn="ctr">
+                      <a:solidFill>
+                        <a:schemeClr val="tx1"/>
+                      </a:solidFill>
+                      <a:prstDash val="solid"/>
+                      <a:round/>
+                      <a:headEnd type="none" w="med" len="med"/>
+                      <a:tailEnd type="none" w="med" len="med"/>
+                    </a:lnB>
+                    <a:lnTlToBr w="12700" cmpd="sng">
+                      <a:noFill/>
+                      <a:prstDash val="solid"/>
+                    </a:lnTlToBr>
+                    <a:lnBlToTr w="12700" cmpd="sng">
+                      <a:noFill/>
+                      <a:prstDash val="solid"/>
+                    </a:lnBlToTr>
+                    <a:solidFill>
+                      <a:schemeClr val="accent6">
+                        <a:lumMod val="20000"/>
+                        <a:lumOff val="80000"/>
+                      </a:schemeClr>
+                    </a:solidFill>
+                  </a:tcPr>
+                </a:tc>
+                <a:tc>
+                  <a:txBody>
+                    <a:bodyPr/>
+                    <a:lstStyle/>
+                    <a:p>
+                      <a:pPr algn="ctr"/>
+                      <a:r>
+                        <a:rPr lang="en-CA" dirty="0"/>
+                        <a:t>0</a:t>
+                      </a:r>
+                      <a:endParaRPr lang="en-US" dirty="0"/>
+                    </a:p>
+                  </a:txBody>
+                  <a:tcPr anchor="ctr">
+                    <a:lnL w="12700" cap="flat" cmpd="sng" algn="ctr">
+                      <a:solidFill>
+                        <a:schemeClr val="tx1"/>
+                      </a:solidFill>
+                      <a:prstDash val="solid"/>
+                      <a:round/>
+                      <a:headEnd type="none" w="med" len="med"/>
+                      <a:tailEnd type="none" w="med" len="med"/>
+                    </a:lnL>
+                    <a:lnR w="12700" cap="flat" cmpd="sng" algn="ctr">
+                      <a:solidFill>
+                        <a:schemeClr val="tx1"/>
+                      </a:solidFill>
+                      <a:prstDash val="solid"/>
+                      <a:round/>
+                      <a:headEnd type="none" w="med" len="med"/>
+                      <a:tailEnd type="none" w="med" len="med"/>
+                    </a:lnR>
+                    <a:lnT w="12700" cap="flat" cmpd="sng" algn="ctr">
+                      <a:solidFill>
+                        <a:schemeClr val="tx1"/>
+                      </a:solidFill>
+                      <a:prstDash val="solid"/>
+                      <a:round/>
+                      <a:headEnd type="none" w="med" len="med"/>
+                      <a:tailEnd type="none" w="med" len="med"/>
+                    </a:lnT>
+                    <a:lnB w="12700" cap="flat" cmpd="sng" algn="ctr">
+                      <a:solidFill>
+                        <a:schemeClr val="tx1"/>
+                      </a:solidFill>
+                      <a:prstDash val="solid"/>
+                      <a:round/>
+                      <a:headEnd type="none" w="med" len="med"/>
+                      <a:tailEnd type="none" w="med" len="med"/>
+                    </a:lnB>
+                    <a:lnTlToBr w="12700" cmpd="sng">
+                      <a:noFill/>
+                      <a:prstDash val="solid"/>
+                    </a:lnTlToBr>
+                    <a:lnBlToTr w="12700" cmpd="sng">
+                      <a:noFill/>
+                      <a:prstDash val="solid"/>
+                    </a:lnBlToTr>
+                    <a:solidFill>
+                      <a:schemeClr val="accent6">
+                        <a:lumMod val="20000"/>
+                        <a:lumOff val="80000"/>
+                      </a:schemeClr>
+                    </a:solidFill>
+                  </a:tcPr>
+                </a:tc>
+                <a:tc>
+                  <a:txBody>
+                    <a:bodyPr/>
+                    <a:lstStyle/>
+                    <a:p>
+                      <a:pPr algn="ctr"/>
+                      <a:r>
+                        <a:rPr lang="en-CA" dirty="0"/>
+                        <a:t>0</a:t>
+                      </a:r>
+                      <a:endParaRPr lang="en-US" dirty="0"/>
+                    </a:p>
+                  </a:txBody>
+                  <a:tcPr anchor="ctr">
+                    <a:lnL w="12700" cap="flat" cmpd="sng" algn="ctr">
+                      <a:solidFill>
+                        <a:schemeClr val="tx1"/>
+                      </a:solidFill>
+                      <a:prstDash val="solid"/>
+                      <a:round/>
+                      <a:headEnd type="none" w="med" len="med"/>
+                      <a:tailEnd type="none" w="med" len="med"/>
+                    </a:lnL>
+                    <a:lnR w="12700" cap="flat" cmpd="sng" algn="ctr">
+                      <a:solidFill>
+                        <a:schemeClr val="tx1"/>
+                      </a:solidFill>
+                      <a:prstDash val="solid"/>
+                      <a:round/>
+                      <a:headEnd type="none" w="med" len="med"/>
+                      <a:tailEnd type="none" w="med" len="med"/>
+                    </a:lnR>
+                    <a:lnT w="12700" cap="flat" cmpd="sng" algn="ctr">
+                      <a:solidFill>
+                        <a:schemeClr val="tx1"/>
+                      </a:solidFill>
+                      <a:prstDash val="solid"/>
+                      <a:round/>
+                      <a:headEnd type="none" w="med" len="med"/>
+                      <a:tailEnd type="none" w="med" len="med"/>
+                    </a:lnT>
+                    <a:lnB w="12700" cap="flat" cmpd="sng" algn="ctr">
+                      <a:solidFill>
+                        <a:schemeClr val="tx1"/>
+                      </a:solidFill>
+                      <a:prstDash val="solid"/>
+                      <a:round/>
+                      <a:headEnd type="none" w="med" len="med"/>
+                      <a:tailEnd type="none" w="med" len="med"/>
+                    </a:lnB>
+                    <a:lnTlToBr w="12700" cmpd="sng">
+                      <a:noFill/>
+                      <a:prstDash val="solid"/>
+                    </a:lnTlToBr>
+                    <a:lnBlToTr w="12700" cmpd="sng">
+                      <a:noFill/>
+                      <a:prstDash val="solid"/>
+                    </a:lnBlToTr>
+                    <a:solidFill>
+                      <a:schemeClr val="accent2">
+                        <a:lumMod val="20000"/>
+                        <a:lumOff val="80000"/>
+                      </a:schemeClr>
+                    </a:solidFill>
+                  </a:tcPr>
+                </a:tc>
+                <a:tc>
+                  <a:txBody>
+                    <a:bodyPr/>
+                    <a:lstStyle/>
+                    <a:p>
+                      <a:pPr algn="ctr"/>
+                      <a:r>
+                        <a:rPr lang="en-CA" dirty="0"/>
+                        <a:t>0</a:t>
+                      </a:r>
+                      <a:endParaRPr lang="en-US" dirty="0"/>
+                    </a:p>
+                  </a:txBody>
+                  <a:tcPr anchor="ctr">
+                    <a:lnL w="12700" cap="flat" cmpd="sng" algn="ctr">
+                      <a:solidFill>
+                        <a:schemeClr val="tx1"/>
+                      </a:solidFill>
+                      <a:prstDash val="solid"/>
+                      <a:round/>
+                      <a:headEnd type="none" w="med" len="med"/>
+                      <a:tailEnd type="none" w="med" len="med"/>
+                    </a:lnL>
+                    <a:lnR w="12700" cap="flat" cmpd="sng" algn="ctr">
+                      <a:solidFill>
+                        <a:schemeClr val="tx1"/>
+                      </a:solidFill>
+                      <a:prstDash val="solid"/>
+                      <a:round/>
+                      <a:headEnd type="none" w="med" len="med"/>
+                      <a:tailEnd type="none" w="med" len="med"/>
+                    </a:lnR>
+                    <a:lnT w="12700" cap="flat" cmpd="sng" algn="ctr">
+                      <a:solidFill>
+                        <a:schemeClr val="tx1"/>
+                      </a:solidFill>
+                      <a:prstDash val="solid"/>
+                      <a:round/>
+                      <a:headEnd type="none" w="med" len="med"/>
+                      <a:tailEnd type="none" w="med" len="med"/>
+                    </a:lnT>
+                    <a:lnB w="12700" cap="flat" cmpd="sng" algn="ctr">
+                      <a:solidFill>
+                        <a:schemeClr val="tx1"/>
+                      </a:solidFill>
+                      <a:prstDash val="solid"/>
+                      <a:round/>
+                      <a:headEnd type="none" w="med" len="med"/>
+                      <a:tailEnd type="none" w="med" len="med"/>
+                    </a:lnB>
+                    <a:lnTlToBr w="12700" cmpd="sng">
+                      <a:noFill/>
+                      <a:prstDash val="solid"/>
+                    </a:lnTlToBr>
+                    <a:lnBlToTr w="12700" cmpd="sng">
+                      <a:noFill/>
+                      <a:prstDash val="solid"/>
+                    </a:lnBlToTr>
+                    <a:solidFill>
+                      <a:schemeClr val="accent2">
+                        <a:lumMod val="20000"/>
+                        <a:lumOff val="80000"/>
+                      </a:schemeClr>
+                    </a:solidFill>
+                  </a:tcPr>
+                </a:tc>
+                <a:extLst>
+                  <a:ext uri="{0D108BD9-81ED-4DB2-BD59-A6C34878D82A}">
+                    <a16:rowId xmlns:a16="http://schemas.microsoft.com/office/drawing/2014/main" val="2184382303"/>
+                  </a:ext>
+                </a:extLst>
+              </a:tr>
+            </a:tbl>
+          </a:graphicData>
+        </a:graphic>
+      </p:graphicFrame>
+      <p:sp>
+        <p:nvSpPr>
+          <p:cNvPr id="7" name="Left Brace 6">
+            <a:extLst>
+              <a:ext uri="{FF2B5EF4-FFF2-40B4-BE49-F238E27FC236}">
+                <a16:creationId xmlns:a16="http://schemas.microsoft.com/office/drawing/2014/main" id="{A3CF1ABA-C1AF-3306-8FA6-850EB3E19BE9}"/>
+              </a:ext>
+            </a:extLst>
+          </p:cNvPr>
+          <p:cNvSpPr/>
+          <p:nvPr/>
+        </p:nvSpPr>
+        <p:spPr>
+          <a:xfrm>
+            <a:off x="4321784" y="2556933"/>
+            <a:ext cx="289798" cy="1295975"/>
+          </a:xfrm>
+          <a:prstGeom prst="leftBrace">
+            <a:avLst/>
+          </a:prstGeom>
+        </p:spPr>
+        <p:style>
+          <a:lnRef idx="1">
+            <a:schemeClr val="dk1"/>
+          </a:lnRef>
+          <a:fillRef idx="0">
+            <a:schemeClr val="dk1"/>
+          </a:fillRef>
+          <a:effectRef idx="0">
+            <a:schemeClr val="dk1"/>
+          </a:effectRef>
+          <a:fontRef idx="minor">
+            <a:schemeClr val="tx1"/>
+          </a:fontRef>
+        </p:style>
+        <p:txBody>
+          <a:bodyPr rtlCol="0" anchor="ctr"/>
+          <a:lstStyle/>
+          <a:p>
+            <a:pPr algn="ctr"/>
+            <a:endParaRPr lang="en-CA"/>
+          </a:p>
+        </p:txBody>
+      </p:sp>
+      <p:sp>
+        <p:nvSpPr>
+          <p:cNvPr id="8" name="Left Brace 7">
+            <a:extLst>
+              <a:ext uri="{FF2B5EF4-FFF2-40B4-BE49-F238E27FC236}">
+                <a16:creationId xmlns:a16="http://schemas.microsoft.com/office/drawing/2014/main" id="{8DF27EA1-C51C-5C89-B6BF-C8EE5B3F34D3}"/>
+              </a:ext>
+            </a:extLst>
+          </p:cNvPr>
+          <p:cNvSpPr/>
+          <p:nvPr/>
+        </p:nvSpPr>
+        <p:spPr>
+          <a:xfrm>
+            <a:off x="4314386" y="3872144"/>
+            <a:ext cx="297195" cy="911524"/>
+          </a:xfrm>
+          <a:prstGeom prst="leftBrace">
+            <a:avLst/>
+          </a:prstGeom>
+        </p:spPr>
+        <p:style>
+          <a:lnRef idx="1">
+            <a:schemeClr val="dk1"/>
+          </a:lnRef>
+          <a:fillRef idx="0">
+            <a:schemeClr val="dk1"/>
+          </a:fillRef>
+          <a:effectRef idx="0">
+            <a:schemeClr val="dk1"/>
+          </a:effectRef>
+          <a:fontRef idx="minor">
+            <a:schemeClr val="tx1"/>
+          </a:fontRef>
+        </p:style>
+        <p:txBody>
+          <a:bodyPr rtlCol="0" anchor="ctr"/>
+          <a:lstStyle/>
+          <a:p>
+            <a:pPr algn="ctr"/>
+            <a:endParaRPr lang="en-CA" dirty="0"/>
+          </a:p>
+        </p:txBody>
+      </p:sp>
+      <p:sp>
+        <p:nvSpPr>
+          <p:cNvPr id="14" name="TextBox 13">
+            <a:extLst>
+              <a:ext uri="{FF2B5EF4-FFF2-40B4-BE49-F238E27FC236}">
+                <a16:creationId xmlns:a16="http://schemas.microsoft.com/office/drawing/2014/main" id="{29003406-058B-8165-A79C-2B980AB56BD2}"/>
+              </a:ext>
+            </a:extLst>
+          </p:cNvPr>
+          <p:cNvSpPr txBox="1"/>
+          <p:nvPr/>
+        </p:nvSpPr>
+        <p:spPr>
+          <a:xfrm>
+            <a:off x="3701101" y="2974087"/>
+            <a:ext cx="620683" cy="523220"/>
+          </a:xfrm>
+          <a:prstGeom prst="rect">
+            <a:avLst/>
+          </a:prstGeom>
+          <a:noFill/>
+        </p:spPr>
+        <p:txBody>
+          <a:bodyPr wrap="square" rtlCol="0">
+            <a:spAutoFit/>
+          </a:bodyPr>
+          <a:lstStyle/>
+          <a:p>
+            <a:r>
+              <a:rPr lang="en-US" sz="2800" i="1" dirty="0">
+                <a:latin typeface="Times New Roman" panose="02020603050405020304" pitchFamily="18" charset="0"/>
+                <a:cs typeface="Times New Roman" panose="02020603050405020304" pitchFamily="18" charset="0"/>
+              </a:rPr>
+              <a:t>V</a:t>
+            </a:r>
+            <a:r>
+              <a:rPr lang="en-US" sz="2800" baseline="-25000" dirty="0">
+                <a:latin typeface="Times New Roman" panose="02020603050405020304" pitchFamily="18" charset="0"/>
+                <a:cs typeface="Times New Roman" panose="02020603050405020304" pitchFamily="18" charset="0"/>
+              </a:rPr>
+              <a:t>1</a:t>
+            </a:r>
+            <a:endParaRPr lang="en-CA" sz="2800" baseline="-25000" dirty="0">
+              <a:latin typeface="Times New Roman" panose="02020603050405020304" pitchFamily="18" charset="0"/>
+              <a:cs typeface="Times New Roman" panose="02020603050405020304" pitchFamily="18" charset="0"/>
+            </a:endParaRPr>
+          </a:p>
+        </p:txBody>
+      </p:sp>
+      <p:sp>
+        <p:nvSpPr>
+          <p:cNvPr id="15" name="TextBox 14">
+            <a:extLst>
+              <a:ext uri="{FF2B5EF4-FFF2-40B4-BE49-F238E27FC236}">
+                <a16:creationId xmlns:a16="http://schemas.microsoft.com/office/drawing/2014/main" id="{5F043CC9-4D07-B31E-88D2-B89B25975D51}"/>
+              </a:ext>
+            </a:extLst>
+          </p:cNvPr>
+          <p:cNvSpPr txBox="1"/>
+          <p:nvPr/>
+        </p:nvSpPr>
+        <p:spPr>
+          <a:xfrm>
+            <a:off x="3701101" y="4073899"/>
+            <a:ext cx="620683" cy="523220"/>
+          </a:xfrm>
+          <a:prstGeom prst="rect">
+            <a:avLst/>
+          </a:prstGeom>
+          <a:noFill/>
+        </p:spPr>
+        <p:txBody>
+          <a:bodyPr wrap="square" rtlCol="0">
+            <a:spAutoFit/>
+          </a:bodyPr>
+          <a:lstStyle/>
+          <a:p>
+            <a:r>
+              <a:rPr lang="en-US" sz="2800" i="1" dirty="0">
+                <a:latin typeface="Times New Roman" panose="02020603050405020304" pitchFamily="18" charset="0"/>
+                <a:cs typeface="Times New Roman" panose="02020603050405020304" pitchFamily="18" charset="0"/>
+              </a:rPr>
+              <a:t>V</a:t>
+            </a:r>
+            <a:r>
+              <a:rPr lang="en-US" sz="2800" i="1" baseline="-25000" dirty="0">
+                <a:latin typeface="Times New Roman" panose="02020603050405020304" pitchFamily="18" charset="0"/>
+                <a:cs typeface="Times New Roman" panose="02020603050405020304" pitchFamily="18" charset="0"/>
+              </a:rPr>
+              <a:t>2</a:t>
+            </a:r>
+            <a:endParaRPr lang="en-CA" sz="2800" baseline="-25000" dirty="0">
+              <a:latin typeface="Times New Roman" panose="02020603050405020304" pitchFamily="18" charset="0"/>
+              <a:cs typeface="Times New Roman" panose="02020603050405020304" pitchFamily="18" charset="0"/>
+            </a:endParaRPr>
+          </a:p>
+        </p:txBody>
+      </p:sp>
+    </p:spTree>
+    <p:extLst>
+      <p:ext uri="{BB962C8B-B14F-4D97-AF65-F5344CB8AC3E}">
+        <p14:creationId xmlns:p14="http://schemas.microsoft.com/office/powerpoint/2010/main" val="1304991845"/>
+      </p:ext>
+    </p:extLst>
+  </p:cSld>
+  <p:clrMapOvr>
+    <a:masterClrMapping/>
+  </p:clrMapOvr>
+</p:sld>
+</file>
+
+<file path=ppt/slides/slide4.xml><?xml version="1.0" encoding="utf-8"?>
+<p:sld xmlns:a="http://schemas.openxmlformats.org/drawingml/2006/main" xmlns:r="http://schemas.openxmlformats.org/officeDocument/2006/relationships" xmlns:p="http://schemas.openxmlformats.org/presentationml/2006/main">
+  <p:cSld>
+    <p:spTree>
+      <p:nvGrpSpPr>
+        <p:cNvPr id="1" name=""/>
+        <p:cNvGrpSpPr/>
+        <p:nvPr/>
+      </p:nvGrpSpPr>
+      <p:grpSpPr>
+        <a:xfrm>
+          <a:off x="0" y="0"/>
+          <a:ext cx="0" cy="0"/>
+          <a:chOff x="0" y="0"/>
+          <a:chExt cx="0" cy="0"/>
+        </a:xfrm>
+      </p:grpSpPr>
+      <p:sp>
+        <p:nvSpPr>
+          <p:cNvPr id="40" name="Oval 39">
+            <a:extLst>
+              <a:ext uri="{FF2B5EF4-FFF2-40B4-BE49-F238E27FC236}">
+                <a16:creationId xmlns:a16="http://schemas.microsoft.com/office/drawing/2014/main" id="{2A85A2AB-E6E2-0067-6E5A-40C3221C7926}"/>
+              </a:ext>
+            </a:extLst>
+          </p:cNvPr>
+          <p:cNvSpPr/>
+          <p:nvPr/>
+        </p:nvSpPr>
+        <p:spPr>
+          <a:xfrm>
+            <a:off x="3733455" y="2127018"/>
+            <a:ext cx="379142" cy="379142"/>
+          </a:xfrm>
+          <a:prstGeom prst="ellipse">
+            <a:avLst/>
+          </a:prstGeom>
+          <a:noFill/>
+          <a:ln w="25400">
+            <a:solidFill>
+              <a:schemeClr val="tx1"/>
+            </a:solidFill>
+          </a:ln>
+        </p:spPr>
+        <p:style>
+          <a:lnRef idx="2">
+            <a:schemeClr val="accent1">
+              <a:shade val="50000"/>
+            </a:schemeClr>
+          </a:lnRef>
+          <a:fillRef idx="1">
+            <a:schemeClr val="accent1"/>
+          </a:fillRef>
+          <a:effectRef idx="0">
+            <a:schemeClr val="accent1"/>
+          </a:effectRef>
+          <a:fontRef idx="minor">
+            <a:schemeClr val="lt1"/>
+          </a:fontRef>
+        </p:style>
+        <p:txBody>
+          <a:bodyPr rtlCol="0" anchor="ctr"/>
+          <a:lstStyle/>
+          <a:p>
+            <a:pPr algn="ctr"/>
+            <a:r>
+              <a:rPr lang="en-US" dirty="0">
+                <a:solidFill>
+                  <a:schemeClr val="tx1"/>
+                </a:solidFill>
+              </a:rPr>
+              <a:t>1</a:t>
+            </a:r>
+            <a:endParaRPr lang="en-CA" dirty="0">
+              <a:solidFill>
+                <a:schemeClr val="tx1"/>
+              </a:solidFill>
+            </a:endParaRPr>
+          </a:p>
+        </p:txBody>
+      </p:sp>
+      <p:sp>
+        <p:nvSpPr>
+          <p:cNvPr id="41" name="Oval 40">
+            <a:extLst>
+              <a:ext uri="{FF2B5EF4-FFF2-40B4-BE49-F238E27FC236}">
+                <a16:creationId xmlns:a16="http://schemas.microsoft.com/office/drawing/2014/main" id="{99B6C50B-8097-F3FF-549B-B0BA5D15816C}"/>
+              </a:ext>
+            </a:extLst>
+          </p:cNvPr>
+          <p:cNvSpPr/>
+          <p:nvPr/>
+        </p:nvSpPr>
+        <p:spPr>
+          <a:xfrm>
+            <a:off x="3733455" y="2851059"/>
+            <a:ext cx="379142" cy="379142"/>
+          </a:xfrm>
+          <a:prstGeom prst="ellipse">
+            <a:avLst/>
+          </a:prstGeom>
+          <a:noFill/>
+          <a:ln w="25400">
+            <a:solidFill>
+              <a:schemeClr val="tx1"/>
+            </a:solidFill>
+          </a:ln>
+        </p:spPr>
+        <p:style>
+          <a:lnRef idx="2">
+            <a:schemeClr val="accent1">
+              <a:shade val="50000"/>
+            </a:schemeClr>
+          </a:lnRef>
+          <a:fillRef idx="1">
+            <a:schemeClr val="accent1"/>
+          </a:fillRef>
+          <a:effectRef idx="0">
+            <a:schemeClr val="accent1"/>
+          </a:effectRef>
+          <a:fontRef idx="minor">
+            <a:schemeClr val="lt1"/>
+          </a:fontRef>
+        </p:style>
+        <p:txBody>
+          <a:bodyPr rtlCol="0" anchor="ctr"/>
+          <a:lstStyle/>
+          <a:p>
+            <a:pPr algn="ctr"/>
+            <a:r>
+              <a:rPr lang="en-US" dirty="0">
+                <a:solidFill>
+                  <a:schemeClr val="tx1"/>
+                </a:solidFill>
+              </a:rPr>
+              <a:t>3</a:t>
+            </a:r>
+            <a:endParaRPr lang="en-CA" dirty="0">
+              <a:solidFill>
+                <a:schemeClr val="tx1"/>
+              </a:solidFill>
+            </a:endParaRPr>
+          </a:p>
+        </p:txBody>
+      </p:sp>
+      <p:sp>
+        <p:nvSpPr>
+          <p:cNvPr id="42" name="Oval 41">
+            <a:extLst>
+              <a:ext uri="{FF2B5EF4-FFF2-40B4-BE49-F238E27FC236}">
+                <a16:creationId xmlns:a16="http://schemas.microsoft.com/office/drawing/2014/main" id="{CC616756-8F7B-5F50-C75D-90EB00A6F426}"/>
+              </a:ext>
+            </a:extLst>
+          </p:cNvPr>
+          <p:cNvSpPr/>
+          <p:nvPr/>
+        </p:nvSpPr>
+        <p:spPr>
+          <a:xfrm>
+            <a:off x="5716858" y="3254749"/>
+            <a:ext cx="379142" cy="379142"/>
+          </a:xfrm>
+          <a:prstGeom prst="ellipse">
+            <a:avLst/>
+          </a:prstGeom>
+          <a:noFill/>
+          <a:ln w="25400">
+            <a:solidFill>
+              <a:schemeClr val="tx1"/>
+            </a:solidFill>
+          </a:ln>
+        </p:spPr>
+        <p:style>
+          <a:lnRef idx="2">
+            <a:schemeClr val="accent1">
+              <a:shade val="50000"/>
+            </a:schemeClr>
+          </a:lnRef>
+          <a:fillRef idx="1">
+            <a:schemeClr val="accent1"/>
+          </a:fillRef>
+          <a:effectRef idx="0">
+            <a:schemeClr val="accent1"/>
+          </a:effectRef>
+          <a:fontRef idx="minor">
+            <a:schemeClr val="lt1"/>
+          </a:fontRef>
+        </p:style>
+        <p:txBody>
+          <a:bodyPr rtlCol="0" anchor="ctr"/>
+          <a:lstStyle/>
+          <a:p>
+            <a:pPr algn="ctr"/>
+            <a:r>
+              <a:rPr lang="en-US" dirty="0">
+                <a:solidFill>
+                  <a:schemeClr val="tx1"/>
+                </a:solidFill>
+              </a:rPr>
+              <a:t>4</a:t>
+            </a:r>
+            <a:endParaRPr lang="en-CA" dirty="0">
+              <a:solidFill>
+                <a:schemeClr val="tx1"/>
+              </a:solidFill>
+            </a:endParaRPr>
+          </a:p>
+        </p:txBody>
+      </p:sp>
+      <p:sp>
+        <p:nvSpPr>
+          <p:cNvPr id="43" name="Oval 42">
+            <a:extLst>
+              <a:ext uri="{FF2B5EF4-FFF2-40B4-BE49-F238E27FC236}">
+                <a16:creationId xmlns:a16="http://schemas.microsoft.com/office/drawing/2014/main" id="{810357A9-550C-9119-0BE1-CFAF680F6C04}"/>
+              </a:ext>
+            </a:extLst>
+          </p:cNvPr>
+          <p:cNvSpPr/>
+          <p:nvPr/>
+        </p:nvSpPr>
+        <p:spPr>
+          <a:xfrm>
+            <a:off x="5747735" y="2489038"/>
+            <a:ext cx="379142" cy="379142"/>
+          </a:xfrm>
+          <a:prstGeom prst="ellipse">
+            <a:avLst/>
+          </a:prstGeom>
+          <a:noFill/>
+          <a:ln w="25400">
+            <a:solidFill>
+              <a:schemeClr val="tx1"/>
+            </a:solidFill>
+          </a:ln>
+        </p:spPr>
+        <p:style>
+          <a:lnRef idx="2">
+            <a:schemeClr val="accent1">
+              <a:shade val="50000"/>
+            </a:schemeClr>
+          </a:lnRef>
+          <a:fillRef idx="1">
+            <a:schemeClr val="accent1"/>
+          </a:fillRef>
+          <a:effectRef idx="0">
+            <a:schemeClr val="accent1"/>
+          </a:effectRef>
+          <a:fontRef idx="minor">
+            <a:schemeClr val="lt1"/>
+          </a:fontRef>
+        </p:style>
+        <p:txBody>
+          <a:bodyPr rtlCol="0" anchor="ctr"/>
+          <a:lstStyle/>
+          <a:p>
+            <a:pPr algn="ctr"/>
+            <a:r>
+              <a:rPr lang="en-US" dirty="0">
+                <a:solidFill>
+                  <a:schemeClr val="tx1"/>
+                </a:solidFill>
+              </a:rPr>
+              <a:t>2</a:t>
+            </a:r>
+            <a:endParaRPr lang="en-CA" dirty="0">
+              <a:solidFill>
+                <a:schemeClr val="tx1"/>
+              </a:solidFill>
+            </a:endParaRPr>
+          </a:p>
+        </p:txBody>
+      </p:sp>
+      <p:sp>
+        <p:nvSpPr>
+          <p:cNvPr id="44" name="Oval 43">
+            <a:extLst>
+              <a:ext uri="{FF2B5EF4-FFF2-40B4-BE49-F238E27FC236}">
+                <a16:creationId xmlns:a16="http://schemas.microsoft.com/office/drawing/2014/main" id="{7E0D46C1-64CC-7BD1-1257-9AF139503F4C}"/>
+              </a:ext>
+            </a:extLst>
+          </p:cNvPr>
+          <p:cNvSpPr/>
+          <p:nvPr/>
+        </p:nvSpPr>
+        <p:spPr>
+          <a:xfrm>
+            <a:off x="3733455" y="3626320"/>
+            <a:ext cx="379142" cy="379142"/>
+          </a:xfrm>
+          <a:prstGeom prst="ellipse">
+            <a:avLst/>
+          </a:prstGeom>
+          <a:noFill/>
+          <a:ln w="25400">
+            <a:solidFill>
+              <a:schemeClr val="tx1"/>
+            </a:solidFill>
+          </a:ln>
+        </p:spPr>
+        <p:style>
+          <a:lnRef idx="2">
+            <a:schemeClr val="accent1">
+              <a:shade val="50000"/>
+            </a:schemeClr>
+          </a:lnRef>
+          <a:fillRef idx="1">
+            <a:schemeClr val="accent1"/>
+          </a:fillRef>
+          <a:effectRef idx="0">
+            <a:schemeClr val="accent1"/>
+          </a:effectRef>
+          <a:fontRef idx="minor">
+            <a:schemeClr val="lt1"/>
+          </a:fontRef>
+        </p:style>
+        <p:txBody>
+          <a:bodyPr rtlCol="0" anchor="ctr"/>
+          <a:lstStyle/>
+          <a:p>
+            <a:pPr algn="ctr"/>
+            <a:r>
+              <a:rPr lang="en-US" dirty="0">
+                <a:solidFill>
+                  <a:schemeClr val="tx1"/>
+                </a:solidFill>
+              </a:rPr>
+              <a:t>5</a:t>
+            </a:r>
+            <a:endParaRPr lang="en-CA" dirty="0">
+              <a:solidFill>
+                <a:schemeClr val="tx1"/>
+              </a:solidFill>
+            </a:endParaRPr>
+          </a:p>
+        </p:txBody>
+      </p:sp>
+      <p:cxnSp>
+        <p:nvCxnSpPr>
+          <p:cNvPr id="45" name="Straight Connector 44">
+            <a:extLst>
+              <a:ext uri="{FF2B5EF4-FFF2-40B4-BE49-F238E27FC236}">
+                <a16:creationId xmlns:a16="http://schemas.microsoft.com/office/drawing/2014/main" id="{5CA411AE-5C8C-5D57-6D08-B399EAD302F9}"/>
+              </a:ext>
+            </a:extLst>
+          </p:cNvPr>
+          <p:cNvCxnSpPr>
+            <a:cxnSpLocks/>
+            <a:stCxn id="40" idx="6"/>
+            <a:endCxn id="43" idx="2"/>
+          </p:cNvCxnSpPr>
+          <p:nvPr/>
+        </p:nvCxnSpPr>
+        <p:spPr>
+          <a:xfrm>
+            <a:off x="4112597" y="2316589"/>
+            <a:ext cx="1635138" cy="362020"/>
+          </a:xfrm>
+          <a:prstGeom prst="line">
+            <a:avLst/>
+          </a:prstGeom>
+          <a:ln w="25400">
+            <a:solidFill>
+              <a:schemeClr val="tx1"/>
+            </a:solidFill>
+          </a:ln>
+        </p:spPr>
+        <p:style>
+          <a:lnRef idx="1">
+            <a:schemeClr val="accent1"/>
+          </a:lnRef>
+          <a:fillRef idx="0">
+            <a:schemeClr val="accent1"/>
+          </a:fillRef>
+          <a:effectRef idx="0">
+            <a:schemeClr val="accent1"/>
+          </a:effectRef>
+          <a:fontRef idx="minor">
+            <a:schemeClr val="tx1"/>
+          </a:fontRef>
+        </p:style>
+      </p:cxnSp>
+      <p:cxnSp>
+        <p:nvCxnSpPr>
+          <p:cNvPr id="46" name="Straight Connector 45">
+            <a:extLst>
+              <a:ext uri="{FF2B5EF4-FFF2-40B4-BE49-F238E27FC236}">
+                <a16:creationId xmlns:a16="http://schemas.microsoft.com/office/drawing/2014/main" id="{1E4F1936-9B60-0600-3DB1-1718485AD5FB}"/>
+              </a:ext>
+            </a:extLst>
+          </p:cNvPr>
+          <p:cNvCxnSpPr>
+            <a:cxnSpLocks/>
+            <a:stCxn id="43" idx="2"/>
+            <a:endCxn id="44" idx="6"/>
+          </p:cNvCxnSpPr>
+          <p:nvPr/>
+        </p:nvCxnSpPr>
+        <p:spPr>
+          <a:xfrm flipH="1">
+            <a:off x="4112597" y="2678609"/>
+            <a:ext cx="1635138" cy="1137282"/>
+          </a:xfrm>
+          <a:prstGeom prst="line">
+            <a:avLst/>
+          </a:prstGeom>
+          <a:ln w="25400">
+            <a:solidFill>
+              <a:schemeClr val="tx1"/>
+            </a:solidFill>
+          </a:ln>
+        </p:spPr>
+        <p:style>
+          <a:lnRef idx="1">
+            <a:schemeClr val="accent1"/>
+          </a:lnRef>
+          <a:fillRef idx="0">
+            <a:schemeClr val="accent1"/>
+          </a:fillRef>
+          <a:effectRef idx="0">
+            <a:schemeClr val="accent1"/>
+          </a:effectRef>
+          <a:fontRef idx="minor">
+            <a:schemeClr val="tx1"/>
+          </a:fontRef>
+        </p:style>
+      </p:cxnSp>
+      <p:cxnSp>
+        <p:nvCxnSpPr>
+          <p:cNvPr id="47" name="Straight Connector 46">
+            <a:extLst>
+              <a:ext uri="{FF2B5EF4-FFF2-40B4-BE49-F238E27FC236}">
+                <a16:creationId xmlns:a16="http://schemas.microsoft.com/office/drawing/2014/main" id="{FE105AA0-E38D-0728-57CA-1C73BC1E3213}"/>
+              </a:ext>
+            </a:extLst>
+          </p:cNvPr>
+          <p:cNvCxnSpPr>
+            <a:cxnSpLocks/>
+            <a:stCxn id="40" idx="6"/>
+            <a:endCxn id="42" idx="2"/>
+          </p:cNvCxnSpPr>
+          <p:nvPr/>
+        </p:nvCxnSpPr>
+        <p:spPr>
+          <a:xfrm>
+            <a:off x="4112597" y="2316589"/>
+            <a:ext cx="1604261" cy="1127731"/>
+          </a:xfrm>
+          <a:prstGeom prst="line">
+            <a:avLst/>
+          </a:prstGeom>
+          <a:ln w="25400">
+            <a:solidFill>
+              <a:schemeClr val="tx1"/>
+            </a:solidFill>
+          </a:ln>
+        </p:spPr>
+        <p:style>
+          <a:lnRef idx="1">
+            <a:schemeClr val="accent1"/>
+          </a:lnRef>
+          <a:fillRef idx="0">
+            <a:schemeClr val="accent1"/>
+          </a:fillRef>
+          <a:effectRef idx="0">
+            <a:schemeClr val="accent1"/>
+          </a:effectRef>
+          <a:fontRef idx="minor">
+            <a:schemeClr val="tx1"/>
+          </a:fontRef>
+        </p:style>
+      </p:cxnSp>
+      <p:cxnSp>
+        <p:nvCxnSpPr>
+          <p:cNvPr id="50" name="Straight Connector 49">
+            <a:extLst>
+              <a:ext uri="{FF2B5EF4-FFF2-40B4-BE49-F238E27FC236}">
+                <a16:creationId xmlns:a16="http://schemas.microsoft.com/office/drawing/2014/main" id="{4FA58153-BB6A-0037-810F-7B01C514E4CA}"/>
+              </a:ext>
+            </a:extLst>
+          </p:cNvPr>
+          <p:cNvCxnSpPr>
+            <a:cxnSpLocks/>
+            <a:stCxn id="43" idx="2"/>
+            <a:endCxn id="41" idx="6"/>
+          </p:cNvCxnSpPr>
+          <p:nvPr/>
+        </p:nvCxnSpPr>
+        <p:spPr>
+          <a:xfrm flipH="1">
+            <a:off x="4112597" y="2678609"/>
+            <a:ext cx="1635138" cy="362021"/>
+          </a:xfrm>
+          <a:prstGeom prst="line">
+            <a:avLst/>
+          </a:prstGeom>
+          <a:ln w="25400">
+            <a:solidFill>
+              <a:schemeClr val="tx1"/>
+            </a:solidFill>
+          </a:ln>
+        </p:spPr>
+        <p:style>
+          <a:lnRef idx="1">
+            <a:schemeClr val="accent1"/>
+          </a:lnRef>
+          <a:fillRef idx="0">
+            <a:schemeClr val="accent1"/>
+          </a:fillRef>
+          <a:effectRef idx="0">
+            <a:schemeClr val="accent1"/>
+          </a:effectRef>
+          <a:fontRef idx="minor">
+            <a:schemeClr val="tx1"/>
+          </a:fontRef>
+        </p:style>
+      </p:cxnSp>
+      <p:cxnSp>
+        <p:nvCxnSpPr>
+          <p:cNvPr id="51" name="Straight Connector 50">
+            <a:extLst>
+              <a:ext uri="{FF2B5EF4-FFF2-40B4-BE49-F238E27FC236}">
+                <a16:creationId xmlns:a16="http://schemas.microsoft.com/office/drawing/2014/main" id="{F461516A-7450-CC58-BA1A-376FB2A5B282}"/>
+              </a:ext>
+            </a:extLst>
+          </p:cNvPr>
+          <p:cNvCxnSpPr>
+            <a:cxnSpLocks/>
+            <a:stCxn id="42" idx="2"/>
+            <a:endCxn id="41" idx="6"/>
+          </p:cNvCxnSpPr>
+          <p:nvPr/>
+        </p:nvCxnSpPr>
+        <p:spPr>
+          <a:xfrm flipH="1" flipV="1">
+            <a:off x="4112597" y="3040630"/>
+            <a:ext cx="1604261" cy="403690"/>
+          </a:xfrm>
+          <a:prstGeom prst="line">
+            <a:avLst/>
+          </a:prstGeom>
+          <a:ln w="25400">
+            <a:solidFill>
+              <a:schemeClr val="tx1"/>
+            </a:solidFill>
+          </a:ln>
+        </p:spPr>
+        <p:style>
+          <a:lnRef idx="1">
+            <a:schemeClr val="accent1"/>
+          </a:lnRef>
+          <a:fillRef idx="0">
+            <a:schemeClr val="accent1"/>
+          </a:fillRef>
+          <a:effectRef idx="0">
+            <a:schemeClr val="accent1"/>
+          </a:effectRef>
+          <a:fontRef idx="minor">
+            <a:schemeClr val="tx1"/>
+          </a:fontRef>
+        </p:style>
+      </p:cxnSp>
+      <p:cxnSp>
+        <p:nvCxnSpPr>
+          <p:cNvPr id="57" name="Straight Connector 56">
+            <a:extLst>
+              <a:ext uri="{FF2B5EF4-FFF2-40B4-BE49-F238E27FC236}">
+                <a16:creationId xmlns:a16="http://schemas.microsoft.com/office/drawing/2014/main" id="{3832D3C1-D998-8F4E-EACC-EE81D305373A}"/>
+              </a:ext>
+            </a:extLst>
+          </p:cNvPr>
+          <p:cNvCxnSpPr>
+            <a:cxnSpLocks/>
+            <a:stCxn id="42" idx="2"/>
+            <a:endCxn id="44" idx="6"/>
+          </p:cNvCxnSpPr>
+          <p:nvPr/>
+        </p:nvCxnSpPr>
+        <p:spPr>
+          <a:xfrm flipH="1">
+            <a:off x="4112597" y="3444320"/>
+            <a:ext cx="1604261" cy="371571"/>
+          </a:xfrm>
+          <a:prstGeom prst="line">
+            <a:avLst/>
+          </a:prstGeom>
+          <a:ln w="25400">
+            <a:solidFill>
+              <a:schemeClr val="tx1"/>
+            </a:solidFill>
+          </a:ln>
+        </p:spPr>
+        <p:style>
+          <a:lnRef idx="1">
+            <a:schemeClr val="accent1"/>
+          </a:lnRef>
+          <a:fillRef idx="0">
+            <a:schemeClr val="accent1"/>
+          </a:fillRef>
+          <a:effectRef idx="0">
+            <a:schemeClr val="accent1"/>
+          </a:effectRef>
+          <a:fontRef idx="minor">
+            <a:schemeClr val="tx1"/>
+          </a:fontRef>
+        </p:style>
+      </p:cxnSp>
+    </p:spTree>
+    <p:extLst>
+      <p:ext uri="{BB962C8B-B14F-4D97-AF65-F5344CB8AC3E}">
+        <p14:creationId xmlns:p14="http://schemas.microsoft.com/office/powerpoint/2010/main" val="32897991"/>
+      </p:ext>
+    </p:extLst>
+  </p:cSld>
+  <p:clrMapOvr>
+    <a:masterClrMapping/>
+  </p:clrMapOvr>
+</p:sld>
+</file>
+
 <file path=ppt/theme/theme1.xml><?xml version="1.0" encoding="utf-8"?>
 <a:theme xmlns:a="http://schemas.openxmlformats.org/drawingml/2006/main" name="Office Theme">
   <a:themeElements>
